--- a/source/Overview/images_FrameworkStack/materialFrameworkStack.pptx
+++ b/source/Overview/images_FrameworkStack/materialFrameworkStack.pptx
@@ -12,7 +12,7 @@
     <p:sldId id="337" r:id="rId3"/>
     <p:sldId id="339" r:id="rId4"/>
   </p:sldIdLst>
-  <p:sldSz cx="9144000" cy="6858000" type="screen4x3"/>
+  <p:sldSz cx="9215438" cy="6911975"/>
   <p:notesSz cx="6858000" cy="9144000"/>
   <p:defaultTextStyle>
     <a:defPPr>
@@ -122,13 +122,13 @@
       </p14:sectionLst>
     </p:ext>
     <p:ext uri="{EFAFB233-063F-42B5-8137-9DF3F51BA10A}">
-      <p15:sldGuideLst xmlns:p15="http://schemas.microsoft.com/office/powerpoint/2012/main" xmlns="">
-        <p15:guide id="1" orient="horz" pos="2160">
+      <p15:sldGuideLst xmlns:p15="http://schemas.microsoft.com/office/powerpoint/2012/main">
+        <p15:guide id="1" orient="horz" pos="2177" userDrawn="1">
           <p15:clr>
             <a:srgbClr val="A4A3A4"/>
           </p15:clr>
         </p15:guide>
-        <p15:guide id="2" pos="2880">
+        <p15:guide id="2" pos="2903" userDrawn="1">
           <p15:clr>
             <a:srgbClr val="A4A3A4"/>
           </p15:clr>
@@ -221,7 +221,7 @@
           <a:p>
             <a:fld id="{3BB47352-BF5A-4CD2-B029-996118CD8E01}" type="datetimeFigureOut">
               <a:rPr kumimoji="1" lang="ja-JP" altLang="en-US" smtClean="0"/>
-              <a:t>2016/8/9</a:t>
+              <a:t>2017/5/18</a:t>
             </a:fld>
             <a:endParaRPr kumimoji="1" lang="ja-JP" altLang="en-US"/>
           </a:p>
@@ -548,7 +548,12 @@
             <p:ph type="sldImg"/>
           </p:nvPr>
         </p:nvSpPr>
-        <p:spPr/>
+        <p:spPr>
+          <a:xfrm>
+            <a:off x="1143000" y="685800"/>
+            <a:ext cx="4572000" cy="3429000"/>
+          </a:xfrm>
+        </p:spPr>
       </p:sp>
       <p:sp>
         <p:nvSpPr>
@@ -632,7 +637,12 @@
             <p:ph type="sldImg"/>
           </p:nvPr>
         </p:nvSpPr>
-        <p:spPr/>
+        <p:spPr>
+          <a:xfrm>
+            <a:off x="1143000" y="685800"/>
+            <a:ext cx="4572000" cy="3429000"/>
+          </a:xfrm>
+        </p:spPr>
       </p:sp>
       <p:sp>
         <p:nvSpPr>
@@ -716,7 +726,12 @@
             <p:ph type="sldImg"/>
           </p:nvPr>
         </p:nvSpPr>
-        <p:spPr/>
+        <p:spPr>
+          <a:xfrm>
+            <a:off x="1143000" y="685800"/>
+            <a:ext cx="4572000" cy="3429000"/>
+          </a:xfrm>
+        </p:spPr>
       </p:sp>
       <p:sp>
         <p:nvSpPr>
@@ -802,8 +817,8 @@
         </p:nvSpPr>
         <p:spPr>
           <a:xfrm>
-            <a:off x="685800" y="2130425"/>
-            <a:ext cx="7772400" cy="1470025"/>
+            <a:off x="691158" y="2147197"/>
+            <a:ext cx="7833122" cy="1481595"/>
           </a:xfrm>
         </p:spPr>
         <p:txBody>
@@ -830,8 +845,8 @@
         </p:nvSpPr>
         <p:spPr>
           <a:xfrm>
-            <a:off x="1371600" y="3886200"/>
-            <a:ext cx="6400800" cy="1752600"/>
+            <a:off x="1382317" y="3916786"/>
+            <a:ext cx="6450807" cy="1766394"/>
           </a:xfrm>
         </p:spPr>
         <p:txBody>
@@ -847,7 +862,7 @@
                 </a:solidFill>
               </a:defRPr>
             </a:lvl1pPr>
-            <a:lvl2pPr marL="457200" indent="0" algn="ctr">
+            <a:lvl2pPr marL="457225" indent="0" algn="ctr">
               <a:buNone/>
               <a:defRPr>
                 <a:solidFill>
@@ -857,7 +872,7 @@
                 </a:solidFill>
               </a:defRPr>
             </a:lvl2pPr>
-            <a:lvl3pPr marL="914400" indent="0" algn="ctr">
+            <a:lvl3pPr marL="914451" indent="0" algn="ctr">
               <a:buNone/>
               <a:defRPr>
                 <a:solidFill>
@@ -867,7 +882,7 @@
                 </a:solidFill>
               </a:defRPr>
             </a:lvl3pPr>
-            <a:lvl4pPr marL="1371600" indent="0" algn="ctr">
+            <a:lvl4pPr marL="1371676" indent="0" algn="ctr">
               <a:buNone/>
               <a:defRPr>
                 <a:solidFill>
@@ -877,7 +892,7 @@
                 </a:solidFill>
               </a:defRPr>
             </a:lvl4pPr>
-            <a:lvl5pPr marL="1828800" indent="0" algn="ctr">
+            <a:lvl5pPr marL="1828902" indent="0" algn="ctr">
               <a:buNone/>
               <a:defRPr>
                 <a:solidFill>
@@ -887,7 +902,7 @@
                 </a:solidFill>
               </a:defRPr>
             </a:lvl5pPr>
-            <a:lvl6pPr marL="2286000" indent="0" algn="ctr">
+            <a:lvl6pPr marL="2286127" indent="0" algn="ctr">
               <a:buNone/>
               <a:defRPr>
                 <a:solidFill>
@@ -897,7 +912,7 @@
                 </a:solidFill>
               </a:defRPr>
             </a:lvl6pPr>
-            <a:lvl7pPr marL="2743200" indent="0" algn="ctr">
+            <a:lvl7pPr marL="2743353" indent="0" algn="ctr">
               <a:buNone/>
               <a:defRPr>
                 <a:solidFill>
@@ -907,7 +922,7 @@
                 </a:solidFill>
               </a:defRPr>
             </a:lvl7pPr>
-            <a:lvl8pPr marL="3200400" indent="0" algn="ctr">
+            <a:lvl8pPr marL="3200578" indent="0" algn="ctr">
               <a:buNone/>
               <a:defRPr>
                 <a:solidFill>
@@ -917,7 +932,7 @@
                 </a:solidFill>
               </a:defRPr>
             </a:lvl8pPr>
-            <a:lvl9pPr marL="3657600" indent="0" algn="ctr">
+            <a:lvl9pPr marL="3657804" indent="0" algn="ctr">
               <a:buNone/>
               <a:defRPr>
                 <a:solidFill>
@@ -954,7 +969,7 @@
           <a:p>
             <a:fld id="{7B9B12EC-6AA0-374B-A2D3-850081A07A26}" type="datetimeFigureOut">
               <a:rPr kumimoji="1" lang="ja-JP" altLang="en-US" smtClean="0"/>
-              <a:t>2016/8/9</a:t>
+              <a:t>2017/5/18</a:t>
             </a:fld>
             <a:endParaRPr kumimoji="1" lang="ja-JP" altLang="en-US"/>
           </a:p>
@@ -1156,7 +1171,7 @@
           <a:p>
             <a:fld id="{7B9B12EC-6AA0-374B-A2D3-850081A07A26}" type="datetimeFigureOut">
               <a:rPr kumimoji="1" lang="ja-JP" altLang="en-US" smtClean="0"/>
-              <a:t>2016/8/9</a:t>
+              <a:t>2017/5/18</a:t>
             </a:fld>
             <a:endParaRPr kumimoji="1" lang="ja-JP" altLang="en-US"/>
           </a:p>
@@ -1246,8 +1261,8 @@
         </p:nvSpPr>
         <p:spPr>
           <a:xfrm>
-            <a:off x="6629400" y="274638"/>
-            <a:ext cx="2057400" cy="5851525"/>
+            <a:off x="6681192" y="276804"/>
+            <a:ext cx="2073474" cy="5897579"/>
           </a:xfrm>
         </p:spPr>
         <p:txBody>
@@ -1274,8 +1289,8 @@
         </p:nvSpPr>
         <p:spPr>
           <a:xfrm>
-            <a:off x="457200" y="274638"/>
-            <a:ext cx="6019800" cy="5851525"/>
+            <a:off x="460772" y="276804"/>
+            <a:ext cx="6066830" cy="5897579"/>
           </a:xfrm>
         </p:spPr>
         <p:txBody>
@@ -1368,7 +1383,7 @@
           <a:p>
             <a:fld id="{7B9B12EC-6AA0-374B-A2D3-850081A07A26}" type="datetimeFigureOut">
               <a:rPr kumimoji="1" lang="ja-JP" altLang="en-US" smtClean="0"/>
-              <a:t>2016/8/9</a:t>
+              <a:t>2017/5/18</a:t>
             </a:fld>
             <a:endParaRPr kumimoji="1" lang="ja-JP" altLang="en-US"/>
           </a:p>
@@ -1570,7 +1585,7 @@
           <a:p>
             <a:fld id="{7B9B12EC-6AA0-374B-A2D3-850081A07A26}" type="datetimeFigureOut">
               <a:rPr kumimoji="1" lang="ja-JP" altLang="en-US" smtClean="0"/>
-              <a:t>2016/8/9</a:t>
+              <a:t>2017/5/18</a:t>
             </a:fld>
             <a:endParaRPr kumimoji="1" lang="ja-JP" altLang="en-US"/>
           </a:p>
@@ -1660,15 +1675,15 @@
         </p:nvSpPr>
         <p:spPr>
           <a:xfrm>
-            <a:off x="722313" y="4406900"/>
-            <a:ext cx="7772400" cy="1362075"/>
+            <a:off x="727956" y="4441588"/>
+            <a:ext cx="7833122" cy="1372795"/>
           </a:xfrm>
         </p:spPr>
         <p:txBody>
           <a:bodyPr anchor="t"/>
           <a:lstStyle>
             <a:lvl1pPr algn="l">
-              <a:defRPr sz="4000" b="1" cap="all"/>
+              <a:defRPr sz="4001" b="1" cap="all"/>
             </a:lvl1pPr>
           </a:lstStyle>
           <a:p>
@@ -1692,8 +1707,8 @@
         </p:nvSpPr>
         <p:spPr>
           <a:xfrm>
-            <a:off x="722313" y="2906713"/>
-            <a:ext cx="7772400" cy="1500187"/>
+            <a:off x="727956" y="2929590"/>
+            <a:ext cx="7833122" cy="1511994"/>
           </a:xfrm>
         </p:spPr>
         <p:txBody>
@@ -1709,9 +1724,9 @@
                 </a:solidFill>
               </a:defRPr>
             </a:lvl1pPr>
-            <a:lvl2pPr marL="457200" indent="0">
+            <a:lvl2pPr marL="457225" indent="0">
               <a:buNone/>
-              <a:defRPr sz="1800">
+              <a:defRPr sz="1801">
                 <a:solidFill>
                   <a:schemeClr val="tx1">
                     <a:tint val="75000"/>
@@ -1719,7 +1734,7 @@
                 </a:solidFill>
               </a:defRPr>
             </a:lvl2pPr>
-            <a:lvl3pPr marL="914400" indent="0">
+            <a:lvl3pPr marL="914451" indent="0">
               <a:buNone/>
               <a:defRPr sz="1600">
                 <a:solidFill>
@@ -1729,7 +1744,7 @@
                 </a:solidFill>
               </a:defRPr>
             </a:lvl3pPr>
-            <a:lvl4pPr marL="1371600" indent="0">
+            <a:lvl4pPr marL="1371676" indent="0">
               <a:buNone/>
               <a:defRPr sz="1400">
                 <a:solidFill>
@@ -1739,7 +1754,7 @@
                 </a:solidFill>
               </a:defRPr>
             </a:lvl4pPr>
-            <a:lvl5pPr marL="1828800" indent="0">
+            <a:lvl5pPr marL="1828902" indent="0">
               <a:buNone/>
               <a:defRPr sz="1400">
                 <a:solidFill>
@@ -1749,7 +1764,7 @@
                 </a:solidFill>
               </a:defRPr>
             </a:lvl5pPr>
-            <a:lvl6pPr marL="2286000" indent="0">
+            <a:lvl6pPr marL="2286127" indent="0">
               <a:buNone/>
               <a:defRPr sz="1400">
                 <a:solidFill>
@@ -1759,7 +1774,7 @@
                 </a:solidFill>
               </a:defRPr>
             </a:lvl6pPr>
-            <a:lvl7pPr marL="2743200" indent="0">
+            <a:lvl7pPr marL="2743353" indent="0">
               <a:buNone/>
               <a:defRPr sz="1400">
                 <a:solidFill>
@@ -1769,7 +1784,7 @@
                 </a:solidFill>
               </a:defRPr>
             </a:lvl7pPr>
-            <a:lvl8pPr marL="3200400" indent="0">
+            <a:lvl8pPr marL="3200578" indent="0">
               <a:buNone/>
               <a:defRPr sz="1400">
                 <a:solidFill>
@@ -1779,7 +1794,7 @@
                 </a:solidFill>
               </a:defRPr>
             </a:lvl8pPr>
-            <a:lvl9pPr marL="3657600" indent="0">
+            <a:lvl9pPr marL="3657804" indent="0">
               <a:buNone/>
               <a:defRPr sz="1400">
                 <a:solidFill>
@@ -1816,7 +1831,7 @@
           <a:p>
             <a:fld id="{7B9B12EC-6AA0-374B-A2D3-850081A07A26}" type="datetimeFigureOut">
               <a:rPr kumimoji="1" lang="ja-JP" altLang="en-US" smtClean="0"/>
-              <a:t>2016/8/9</a:t>
+              <a:t>2017/5/18</a:t>
             </a:fld>
             <a:endParaRPr kumimoji="1" lang="ja-JP" altLang="en-US"/>
           </a:p>
@@ -1929,15 +1944,15 @@
         </p:nvSpPr>
         <p:spPr>
           <a:xfrm>
-            <a:off x="457200" y="1600200"/>
-            <a:ext cx="4038600" cy="4525963"/>
+            <a:off x="460772" y="1612796"/>
+            <a:ext cx="4070152" cy="4561584"/>
           </a:xfrm>
         </p:spPr>
         <p:txBody>
           <a:bodyPr/>
           <a:lstStyle>
             <a:lvl1pPr>
-              <a:defRPr sz="2800"/>
+              <a:defRPr sz="2801"/>
             </a:lvl1pPr>
             <a:lvl2pPr>
               <a:defRPr sz="2400"/>
@@ -1946,22 +1961,22 @@
               <a:defRPr sz="2000"/>
             </a:lvl3pPr>
             <a:lvl4pPr>
-              <a:defRPr sz="1800"/>
+              <a:defRPr sz="1801"/>
             </a:lvl4pPr>
             <a:lvl5pPr>
-              <a:defRPr sz="1800"/>
+              <a:defRPr sz="1801"/>
             </a:lvl5pPr>
             <a:lvl6pPr>
-              <a:defRPr sz="1800"/>
+              <a:defRPr sz="1801"/>
             </a:lvl6pPr>
             <a:lvl7pPr>
-              <a:defRPr sz="1800"/>
+              <a:defRPr sz="1801"/>
             </a:lvl7pPr>
             <a:lvl8pPr>
-              <a:defRPr sz="1800"/>
+              <a:defRPr sz="1801"/>
             </a:lvl8pPr>
             <a:lvl9pPr>
-              <a:defRPr sz="1800"/>
+              <a:defRPr sz="1801"/>
             </a:lvl9pPr>
           </a:lstStyle>
           <a:p>
@@ -2046,15 +2061,15 @@
         </p:nvSpPr>
         <p:spPr>
           <a:xfrm>
-            <a:off x="4648200" y="1600200"/>
-            <a:ext cx="4038600" cy="4525963"/>
+            <a:off x="4684514" y="1612796"/>
+            <a:ext cx="4070152" cy="4561584"/>
           </a:xfrm>
         </p:spPr>
         <p:txBody>
           <a:bodyPr/>
           <a:lstStyle>
             <a:lvl1pPr>
-              <a:defRPr sz="2800"/>
+              <a:defRPr sz="2801"/>
             </a:lvl1pPr>
             <a:lvl2pPr>
               <a:defRPr sz="2400"/>
@@ -2063,22 +2078,22 @@
               <a:defRPr sz="2000"/>
             </a:lvl3pPr>
             <a:lvl4pPr>
-              <a:defRPr sz="1800"/>
+              <a:defRPr sz="1801"/>
             </a:lvl4pPr>
             <a:lvl5pPr>
-              <a:defRPr sz="1800"/>
+              <a:defRPr sz="1801"/>
             </a:lvl5pPr>
             <a:lvl6pPr>
-              <a:defRPr sz="1800"/>
+              <a:defRPr sz="1801"/>
             </a:lvl6pPr>
             <a:lvl7pPr>
-              <a:defRPr sz="1800"/>
+              <a:defRPr sz="1801"/>
             </a:lvl7pPr>
             <a:lvl8pPr>
-              <a:defRPr sz="1800"/>
+              <a:defRPr sz="1801"/>
             </a:lvl8pPr>
             <a:lvl9pPr>
-              <a:defRPr sz="1800"/>
+              <a:defRPr sz="1801"/>
             </a:lvl9pPr>
           </a:lstStyle>
           <a:p>
@@ -2168,7 +2183,7 @@
           <a:p>
             <a:fld id="{7B9B12EC-6AA0-374B-A2D3-850081A07A26}" type="datetimeFigureOut">
               <a:rPr kumimoji="1" lang="ja-JP" altLang="en-US" smtClean="0"/>
-              <a:t>2016/8/9</a:t>
+              <a:t>2017/5/18</a:t>
             </a:fld>
             <a:endParaRPr kumimoji="1" lang="ja-JP" altLang="en-US"/>
           </a:p>
@@ -2285,8 +2300,8 @@
         </p:nvSpPr>
         <p:spPr>
           <a:xfrm>
-            <a:off x="457200" y="1535113"/>
-            <a:ext cx="4040188" cy="639762"/>
+            <a:off x="460773" y="1547196"/>
+            <a:ext cx="4071752" cy="644797"/>
           </a:xfrm>
         </p:spPr>
         <p:txBody>
@@ -2296,35 +2311,35 @@
               <a:buNone/>
               <a:defRPr sz="2400" b="1"/>
             </a:lvl1pPr>
-            <a:lvl2pPr marL="457200" indent="0">
+            <a:lvl2pPr marL="457225" indent="0">
               <a:buNone/>
               <a:defRPr sz="2000" b="1"/>
             </a:lvl2pPr>
-            <a:lvl3pPr marL="914400" indent="0">
+            <a:lvl3pPr marL="914451" indent="0">
               <a:buNone/>
-              <a:defRPr sz="1800" b="1"/>
+              <a:defRPr sz="1801" b="1"/>
             </a:lvl3pPr>
-            <a:lvl4pPr marL="1371600" indent="0">
+            <a:lvl4pPr marL="1371676" indent="0">
               <a:buNone/>
               <a:defRPr sz="1600" b="1"/>
             </a:lvl4pPr>
-            <a:lvl5pPr marL="1828800" indent="0">
+            <a:lvl5pPr marL="1828902" indent="0">
               <a:buNone/>
               <a:defRPr sz="1600" b="1"/>
             </a:lvl5pPr>
-            <a:lvl6pPr marL="2286000" indent="0">
+            <a:lvl6pPr marL="2286127" indent="0">
               <a:buNone/>
               <a:defRPr sz="1600" b="1"/>
             </a:lvl6pPr>
-            <a:lvl7pPr marL="2743200" indent="0">
+            <a:lvl7pPr marL="2743353" indent="0">
               <a:buNone/>
               <a:defRPr sz="1600" b="1"/>
             </a:lvl7pPr>
-            <a:lvl8pPr marL="3200400" indent="0">
+            <a:lvl8pPr marL="3200578" indent="0">
               <a:buNone/>
               <a:defRPr sz="1600" b="1"/>
             </a:lvl8pPr>
-            <a:lvl9pPr marL="3657600" indent="0">
+            <a:lvl9pPr marL="3657804" indent="0">
               <a:buNone/>
               <a:defRPr sz="1600" b="1"/>
             </a:lvl9pPr>
@@ -2350,8 +2365,8 @@
         </p:nvSpPr>
         <p:spPr>
           <a:xfrm>
-            <a:off x="457200" y="2174875"/>
-            <a:ext cx="4040188" cy="3951288"/>
+            <a:off x="460773" y="2191992"/>
+            <a:ext cx="4071752" cy="3982386"/>
           </a:xfrm>
         </p:spPr>
         <p:txBody>
@@ -2364,7 +2379,7 @@
               <a:defRPr sz="2000"/>
             </a:lvl2pPr>
             <a:lvl3pPr>
-              <a:defRPr sz="1800"/>
+              <a:defRPr sz="1801"/>
             </a:lvl3pPr>
             <a:lvl4pPr>
               <a:defRPr sz="1600"/>
@@ -2467,8 +2482,8 @@
         </p:nvSpPr>
         <p:spPr>
           <a:xfrm>
-            <a:off x="4645025" y="1535113"/>
-            <a:ext cx="4041775" cy="639762"/>
+            <a:off x="4681318" y="1547196"/>
+            <a:ext cx="4073351" cy="644797"/>
           </a:xfrm>
         </p:spPr>
         <p:txBody>
@@ -2478,35 +2493,35 @@
               <a:buNone/>
               <a:defRPr sz="2400" b="1"/>
             </a:lvl1pPr>
-            <a:lvl2pPr marL="457200" indent="0">
+            <a:lvl2pPr marL="457225" indent="0">
               <a:buNone/>
               <a:defRPr sz="2000" b="1"/>
             </a:lvl2pPr>
-            <a:lvl3pPr marL="914400" indent="0">
+            <a:lvl3pPr marL="914451" indent="0">
               <a:buNone/>
-              <a:defRPr sz="1800" b="1"/>
+              <a:defRPr sz="1801" b="1"/>
             </a:lvl3pPr>
-            <a:lvl4pPr marL="1371600" indent="0">
+            <a:lvl4pPr marL="1371676" indent="0">
               <a:buNone/>
               <a:defRPr sz="1600" b="1"/>
             </a:lvl4pPr>
-            <a:lvl5pPr marL="1828800" indent="0">
+            <a:lvl5pPr marL="1828902" indent="0">
               <a:buNone/>
               <a:defRPr sz="1600" b="1"/>
             </a:lvl5pPr>
-            <a:lvl6pPr marL="2286000" indent="0">
+            <a:lvl6pPr marL="2286127" indent="0">
               <a:buNone/>
               <a:defRPr sz="1600" b="1"/>
             </a:lvl6pPr>
-            <a:lvl7pPr marL="2743200" indent="0">
+            <a:lvl7pPr marL="2743353" indent="0">
               <a:buNone/>
               <a:defRPr sz="1600" b="1"/>
             </a:lvl7pPr>
-            <a:lvl8pPr marL="3200400" indent="0">
+            <a:lvl8pPr marL="3200578" indent="0">
               <a:buNone/>
               <a:defRPr sz="1600" b="1"/>
             </a:lvl8pPr>
-            <a:lvl9pPr marL="3657600" indent="0">
+            <a:lvl9pPr marL="3657804" indent="0">
               <a:buNone/>
               <a:defRPr sz="1600" b="1"/>
             </a:lvl9pPr>
@@ -2532,8 +2547,8 @@
         </p:nvSpPr>
         <p:spPr>
           <a:xfrm>
-            <a:off x="4645025" y="2174875"/>
-            <a:ext cx="4041775" cy="3951288"/>
+            <a:off x="4681318" y="2191992"/>
+            <a:ext cx="4073351" cy="3982386"/>
           </a:xfrm>
         </p:spPr>
         <p:txBody>
@@ -2546,7 +2561,7 @@
               <a:defRPr sz="2000"/>
             </a:lvl2pPr>
             <a:lvl3pPr>
-              <a:defRPr sz="1800"/>
+              <a:defRPr sz="1801"/>
             </a:lvl3pPr>
             <a:lvl4pPr>
               <a:defRPr sz="1600"/>
@@ -2654,7 +2669,7 @@
           <a:p>
             <a:fld id="{7B9B12EC-6AA0-374B-A2D3-850081A07A26}" type="datetimeFigureOut">
               <a:rPr kumimoji="1" lang="ja-JP" altLang="en-US" smtClean="0"/>
-              <a:t>2016/8/9</a:t>
+              <a:t>2017/5/18</a:t>
             </a:fld>
             <a:endParaRPr kumimoji="1" lang="ja-JP" altLang="en-US"/>
           </a:p>
@@ -2772,7 +2787,7 @@
           <a:p>
             <a:fld id="{7B9B12EC-6AA0-374B-A2D3-850081A07A26}" type="datetimeFigureOut">
               <a:rPr kumimoji="1" lang="ja-JP" altLang="en-US" smtClean="0"/>
-              <a:t>2016/8/9</a:t>
+              <a:t>2017/5/18</a:t>
             </a:fld>
             <a:endParaRPr kumimoji="1" lang="ja-JP" altLang="en-US"/>
           </a:p>
@@ -2867,7 +2882,7 @@
           <a:p>
             <a:fld id="{7B9B12EC-6AA0-374B-A2D3-850081A07A26}" type="datetimeFigureOut">
               <a:rPr kumimoji="1" lang="ja-JP" altLang="en-US" smtClean="0"/>
-              <a:t>2016/8/9</a:t>
+              <a:t>2017/5/18</a:t>
             </a:fld>
             <a:endParaRPr kumimoji="1" lang="ja-JP" altLang="en-US"/>
           </a:p>
@@ -2957,8 +2972,8 @@
         </p:nvSpPr>
         <p:spPr>
           <a:xfrm>
-            <a:off x="457200" y="273050"/>
-            <a:ext cx="3008313" cy="1162050"/>
+            <a:off x="460772" y="275199"/>
+            <a:ext cx="3031816" cy="1171196"/>
           </a:xfrm>
         </p:spPr>
         <p:txBody>
@@ -2989,8 +3004,8 @@
         </p:nvSpPr>
         <p:spPr>
           <a:xfrm>
-            <a:off x="3575050" y="273050"/>
-            <a:ext cx="5111750" cy="5853113"/>
+            <a:off x="3602981" y="275204"/>
+            <a:ext cx="5151686" cy="5899179"/>
           </a:xfrm>
         </p:spPr>
         <p:txBody>
@@ -3000,7 +3015,7 @@
               <a:defRPr sz="3200"/>
             </a:lvl1pPr>
             <a:lvl2pPr>
-              <a:defRPr sz="2800"/>
+              <a:defRPr sz="2801"/>
             </a:lvl2pPr>
             <a:lvl3pPr>
               <a:defRPr sz="2400"/>
@@ -3106,8 +3121,8 @@
         </p:nvSpPr>
         <p:spPr>
           <a:xfrm>
-            <a:off x="457200" y="1435100"/>
-            <a:ext cx="3008313" cy="4691063"/>
+            <a:off x="460772" y="1446399"/>
+            <a:ext cx="3031816" cy="4727983"/>
           </a:xfrm>
         </p:spPr>
         <p:txBody>
@@ -3117,35 +3132,35 @@
               <a:buNone/>
               <a:defRPr sz="1400"/>
             </a:lvl1pPr>
-            <a:lvl2pPr marL="457200" indent="0">
+            <a:lvl2pPr marL="457225" indent="0">
               <a:buNone/>
               <a:defRPr sz="1200"/>
             </a:lvl2pPr>
-            <a:lvl3pPr marL="914400" indent="0">
+            <a:lvl3pPr marL="914451" indent="0">
               <a:buNone/>
               <a:defRPr sz="1000"/>
             </a:lvl3pPr>
-            <a:lvl4pPr marL="1371600" indent="0">
+            <a:lvl4pPr marL="1371676" indent="0">
               <a:buNone/>
               <a:defRPr sz="900"/>
             </a:lvl4pPr>
-            <a:lvl5pPr marL="1828800" indent="0">
+            <a:lvl5pPr marL="1828902" indent="0">
               <a:buNone/>
               <a:defRPr sz="900"/>
             </a:lvl5pPr>
-            <a:lvl6pPr marL="2286000" indent="0">
+            <a:lvl6pPr marL="2286127" indent="0">
               <a:buNone/>
               <a:defRPr sz="900"/>
             </a:lvl6pPr>
-            <a:lvl7pPr marL="2743200" indent="0">
+            <a:lvl7pPr marL="2743353" indent="0">
               <a:buNone/>
               <a:defRPr sz="900"/>
             </a:lvl7pPr>
-            <a:lvl8pPr marL="3200400" indent="0">
+            <a:lvl8pPr marL="3200578" indent="0">
               <a:buNone/>
               <a:defRPr sz="900"/>
             </a:lvl8pPr>
-            <a:lvl9pPr marL="3657600" indent="0">
+            <a:lvl9pPr marL="3657804" indent="0">
               <a:buNone/>
               <a:defRPr sz="900"/>
             </a:lvl9pPr>
@@ -3176,7 +3191,7 @@
           <a:p>
             <a:fld id="{7B9B12EC-6AA0-374B-A2D3-850081A07A26}" type="datetimeFigureOut">
               <a:rPr kumimoji="1" lang="ja-JP" altLang="en-US" smtClean="0"/>
-              <a:t>2016/8/9</a:t>
+              <a:t>2017/5/18</a:t>
             </a:fld>
             <a:endParaRPr kumimoji="1" lang="ja-JP" altLang="en-US"/>
           </a:p>
@@ -3266,8 +3281,8 @@
         </p:nvSpPr>
         <p:spPr>
           <a:xfrm>
-            <a:off x="1792288" y="4800600"/>
-            <a:ext cx="5486400" cy="566738"/>
+            <a:off x="1806291" y="4838383"/>
+            <a:ext cx="5529263" cy="571198"/>
           </a:xfrm>
         </p:spPr>
         <p:txBody>
@@ -3298,8 +3313,8 @@
         </p:nvSpPr>
         <p:spPr>
           <a:xfrm>
-            <a:off x="1792288" y="612775"/>
-            <a:ext cx="5486400" cy="4114800"/>
+            <a:off x="1806291" y="617601"/>
+            <a:ext cx="5529263" cy="4147185"/>
           </a:xfrm>
         </p:spPr>
         <p:txBody>
@@ -3309,35 +3324,35 @@
               <a:buNone/>
               <a:defRPr sz="3200"/>
             </a:lvl1pPr>
-            <a:lvl2pPr marL="457200" indent="0">
+            <a:lvl2pPr marL="457225" indent="0">
               <a:buNone/>
-              <a:defRPr sz="2800"/>
+              <a:defRPr sz="2801"/>
             </a:lvl2pPr>
-            <a:lvl3pPr marL="914400" indent="0">
+            <a:lvl3pPr marL="914451" indent="0">
               <a:buNone/>
               <a:defRPr sz="2400"/>
             </a:lvl3pPr>
-            <a:lvl4pPr marL="1371600" indent="0">
+            <a:lvl4pPr marL="1371676" indent="0">
               <a:buNone/>
               <a:defRPr sz="2000"/>
             </a:lvl4pPr>
-            <a:lvl5pPr marL="1828800" indent="0">
+            <a:lvl5pPr marL="1828902" indent="0">
               <a:buNone/>
               <a:defRPr sz="2000"/>
             </a:lvl5pPr>
-            <a:lvl6pPr marL="2286000" indent="0">
+            <a:lvl6pPr marL="2286127" indent="0">
               <a:buNone/>
               <a:defRPr sz="2000"/>
             </a:lvl6pPr>
-            <a:lvl7pPr marL="2743200" indent="0">
+            <a:lvl7pPr marL="2743353" indent="0">
               <a:buNone/>
               <a:defRPr sz="2000"/>
             </a:lvl7pPr>
-            <a:lvl8pPr marL="3200400" indent="0">
+            <a:lvl8pPr marL="3200578" indent="0">
               <a:buNone/>
               <a:defRPr sz="2000"/>
             </a:lvl8pPr>
-            <a:lvl9pPr marL="3657600" indent="0">
+            <a:lvl9pPr marL="3657804" indent="0">
               <a:buNone/>
               <a:defRPr sz="2000"/>
             </a:lvl9pPr>
@@ -3359,8 +3374,8 @@
         </p:nvSpPr>
         <p:spPr>
           <a:xfrm>
-            <a:off x="1792288" y="5367338"/>
-            <a:ext cx="5486400" cy="804862"/>
+            <a:off x="1806291" y="5409584"/>
+            <a:ext cx="5529263" cy="811197"/>
           </a:xfrm>
         </p:spPr>
         <p:txBody>
@@ -3370,35 +3385,35 @@
               <a:buNone/>
               <a:defRPr sz="1400"/>
             </a:lvl1pPr>
-            <a:lvl2pPr marL="457200" indent="0">
+            <a:lvl2pPr marL="457225" indent="0">
               <a:buNone/>
               <a:defRPr sz="1200"/>
             </a:lvl2pPr>
-            <a:lvl3pPr marL="914400" indent="0">
+            <a:lvl3pPr marL="914451" indent="0">
               <a:buNone/>
               <a:defRPr sz="1000"/>
             </a:lvl3pPr>
-            <a:lvl4pPr marL="1371600" indent="0">
+            <a:lvl4pPr marL="1371676" indent="0">
               <a:buNone/>
               <a:defRPr sz="900"/>
             </a:lvl4pPr>
-            <a:lvl5pPr marL="1828800" indent="0">
+            <a:lvl5pPr marL="1828902" indent="0">
               <a:buNone/>
               <a:defRPr sz="900"/>
             </a:lvl5pPr>
-            <a:lvl6pPr marL="2286000" indent="0">
+            <a:lvl6pPr marL="2286127" indent="0">
               <a:buNone/>
               <a:defRPr sz="900"/>
             </a:lvl6pPr>
-            <a:lvl7pPr marL="2743200" indent="0">
+            <a:lvl7pPr marL="2743353" indent="0">
               <a:buNone/>
               <a:defRPr sz="900"/>
             </a:lvl7pPr>
-            <a:lvl8pPr marL="3200400" indent="0">
+            <a:lvl8pPr marL="3200578" indent="0">
               <a:buNone/>
               <a:defRPr sz="900"/>
             </a:lvl8pPr>
-            <a:lvl9pPr marL="3657600" indent="0">
+            <a:lvl9pPr marL="3657804" indent="0">
               <a:buNone/>
               <a:defRPr sz="900"/>
             </a:lvl9pPr>
@@ -3429,7 +3444,7 @@
           <a:p>
             <a:fld id="{7B9B12EC-6AA0-374B-A2D3-850081A07A26}" type="datetimeFigureOut">
               <a:rPr kumimoji="1" lang="ja-JP" altLang="en-US" smtClean="0"/>
-              <a:t>2016/8/9</a:t>
+              <a:t>2017/5/18</a:t>
             </a:fld>
             <a:endParaRPr kumimoji="1" lang="ja-JP" altLang="en-US"/>
           </a:p>
@@ -3524,8 +3539,8 @@
         </p:nvSpPr>
         <p:spPr>
           <a:xfrm>
-            <a:off x="457200" y="274638"/>
-            <a:ext cx="8229600" cy="1143000"/>
+            <a:off x="460772" y="276799"/>
+            <a:ext cx="8293894" cy="1151996"/>
           </a:xfrm>
           <a:prstGeom prst="rect">
             <a:avLst/>
@@ -3557,8 +3572,8 @@
         </p:nvSpPr>
         <p:spPr>
           <a:xfrm>
-            <a:off x="457200" y="1600200"/>
-            <a:ext cx="8229600" cy="4525963"/>
+            <a:off x="460772" y="1612796"/>
+            <a:ext cx="8293894" cy="4561584"/>
           </a:xfrm>
           <a:prstGeom prst="rect">
             <a:avLst/>
@@ -3651,8 +3666,8 @@
         </p:nvSpPr>
         <p:spPr>
           <a:xfrm>
-            <a:off x="457200" y="6356350"/>
-            <a:ext cx="2133600" cy="365125"/>
+            <a:off x="460773" y="6406381"/>
+            <a:ext cx="2150269" cy="367999"/>
           </a:xfrm>
           <a:prstGeom prst="rect">
             <a:avLst/>
@@ -3674,7 +3689,7 @@
           <a:p>
             <a:fld id="{7B9B12EC-6AA0-374B-A2D3-850081A07A26}" type="datetimeFigureOut">
               <a:rPr kumimoji="1" lang="ja-JP" altLang="en-US" smtClean="0"/>
-              <a:t>2016/8/9</a:t>
+              <a:t>2017/5/18</a:t>
             </a:fld>
             <a:endParaRPr kumimoji="1" lang="ja-JP" altLang="en-US"/>
           </a:p>
@@ -3692,8 +3707,8 @@
         </p:nvSpPr>
         <p:spPr>
           <a:xfrm>
-            <a:off x="3124200" y="6356350"/>
-            <a:ext cx="2895600" cy="365125"/>
+            <a:off x="3148608" y="6406381"/>
+            <a:ext cx="2918222" cy="367999"/>
           </a:xfrm>
           <a:prstGeom prst="rect">
             <a:avLst/>
@@ -3729,8 +3744,8 @@
         </p:nvSpPr>
         <p:spPr>
           <a:xfrm>
-            <a:off x="6553200" y="6356350"/>
-            <a:ext cx="2133600" cy="365125"/>
+            <a:off x="6604397" y="6406381"/>
+            <a:ext cx="2150269" cy="367999"/>
           </a:xfrm>
           <a:prstGeom prst="rect">
             <a:avLst/>
@@ -3781,7 +3796,7 @@
   </p:sldLayoutIdLst>
   <p:txStyles>
     <p:titleStyle>
-      <a:lvl1pPr algn="ctr" defTabSz="457200" rtl="0" eaLnBrk="1" latinLnBrk="0" hangingPunct="1">
+      <a:lvl1pPr algn="ctr" defTabSz="457225" rtl="0" eaLnBrk="1" latinLnBrk="0" hangingPunct="1">
         <a:spcBef>
           <a:spcPct val="0"/>
         </a:spcBef>
@@ -3797,7 +3812,7 @@
       </a:lvl1pPr>
     </p:titleStyle>
     <p:bodyStyle>
-      <a:lvl1pPr marL="342900" indent="-342900" algn="l" defTabSz="457200" rtl="0" eaLnBrk="1" latinLnBrk="0" hangingPunct="1">
+      <a:lvl1pPr marL="342919" indent="-342919" algn="l" defTabSz="457225" rtl="0" eaLnBrk="1" latinLnBrk="0" hangingPunct="1">
         <a:spcBef>
           <a:spcPct val="20000"/>
         </a:spcBef>
@@ -3812,13 +3827,13 @@
           <a:cs typeface="+mn-cs"/>
         </a:defRPr>
       </a:lvl1pPr>
-      <a:lvl2pPr marL="742950" indent="-285750" algn="l" defTabSz="457200" rtl="0" eaLnBrk="1" latinLnBrk="0" hangingPunct="1">
+      <a:lvl2pPr marL="742992" indent="-285765" algn="l" defTabSz="457225" rtl="0" eaLnBrk="1" latinLnBrk="0" hangingPunct="1">
         <a:spcBef>
           <a:spcPct val="20000"/>
         </a:spcBef>
         <a:buFont typeface="Arial"/>
         <a:buChar char="–"/>
-        <a:defRPr kumimoji="1" sz="2800" kern="1200">
+        <a:defRPr kumimoji="1" sz="2801" kern="1200">
           <a:solidFill>
             <a:schemeClr val="tx1"/>
           </a:solidFill>
@@ -3827,7 +3842,7 @@
           <a:cs typeface="+mn-cs"/>
         </a:defRPr>
       </a:lvl2pPr>
-      <a:lvl3pPr marL="1143000" indent="-228600" algn="l" defTabSz="457200" rtl="0" eaLnBrk="1" latinLnBrk="0" hangingPunct="1">
+      <a:lvl3pPr marL="1143064" indent="-228613" algn="l" defTabSz="457225" rtl="0" eaLnBrk="1" latinLnBrk="0" hangingPunct="1">
         <a:spcBef>
           <a:spcPct val="20000"/>
         </a:spcBef>
@@ -3842,7 +3857,7 @@
           <a:cs typeface="+mn-cs"/>
         </a:defRPr>
       </a:lvl3pPr>
-      <a:lvl4pPr marL="1600200" indent="-228600" algn="l" defTabSz="457200" rtl="0" eaLnBrk="1" latinLnBrk="0" hangingPunct="1">
+      <a:lvl4pPr marL="1600289" indent="-228613" algn="l" defTabSz="457225" rtl="0" eaLnBrk="1" latinLnBrk="0" hangingPunct="1">
         <a:spcBef>
           <a:spcPct val="20000"/>
         </a:spcBef>
@@ -3857,7 +3872,7 @@
           <a:cs typeface="+mn-cs"/>
         </a:defRPr>
       </a:lvl4pPr>
-      <a:lvl5pPr marL="2057400" indent="-228600" algn="l" defTabSz="457200" rtl="0" eaLnBrk="1" latinLnBrk="0" hangingPunct="1">
+      <a:lvl5pPr marL="2057515" indent="-228613" algn="l" defTabSz="457225" rtl="0" eaLnBrk="1" latinLnBrk="0" hangingPunct="1">
         <a:spcBef>
           <a:spcPct val="20000"/>
         </a:spcBef>
@@ -3872,7 +3887,7 @@
           <a:cs typeface="+mn-cs"/>
         </a:defRPr>
       </a:lvl5pPr>
-      <a:lvl6pPr marL="2514600" indent="-228600" algn="l" defTabSz="457200" rtl="0" eaLnBrk="1" latinLnBrk="0" hangingPunct="1">
+      <a:lvl6pPr marL="2514740" indent="-228613" algn="l" defTabSz="457225" rtl="0" eaLnBrk="1" latinLnBrk="0" hangingPunct="1">
         <a:spcBef>
           <a:spcPct val="20000"/>
         </a:spcBef>
@@ -3887,7 +3902,7 @@
           <a:cs typeface="+mn-cs"/>
         </a:defRPr>
       </a:lvl6pPr>
-      <a:lvl7pPr marL="2971800" indent="-228600" algn="l" defTabSz="457200" rtl="0" eaLnBrk="1" latinLnBrk="0" hangingPunct="1">
+      <a:lvl7pPr marL="2971966" indent="-228613" algn="l" defTabSz="457225" rtl="0" eaLnBrk="1" latinLnBrk="0" hangingPunct="1">
         <a:spcBef>
           <a:spcPct val="20000"/>
         </a:spcBef>
@@ -3902,7 +3917,7 @@
           <a:cs typeface="+mn-cs"/>
         </a:defRPr>
       </a:lvl7pPr>
-      <a:lvl8pPr marL="3429000" indent="-228600" algn="l" defTabSz="457200" rtl="0" eaLnBrk="1" latinLnBrk="0" hangingPunct="1">
+      <a:lvl8pPr marL="3429191" indent="-228613" algn="l" defTabSz="457225" rtl="0" eaLnBrk="1" latinLnBrk="0" hangingPunct="1">
         <a:spcBef>
           <a:spcPct val="20000"/>
         </a:spcBef>
@@ -3917,7 +3932,7 @@
           <a:cs typeface="+mn-cs"/>
         </a:defRPr>
       </a:lvl8pPr>
-      <a:lvl9pPr marL="3886200" indent="-228600" algn="l" defTabSz="457200" rtl="0" eaLnBrk="1" latinLnBrk="0" hangingPunct="1">
+      <a:lvl9pPr marL="3886417" indent="-228613" algn="l" defTabSz="457225" rtl="0" eaLnBrk="1" latinLnBrk="0" hangingPunct="1">
         <a:spcBef>
           <a:spcPct val="20000"/>
         </a:spcBef>
@@ -3937,8 +3952,8 @@
       <a:defPPr>
         <a:defRPr lang="ja-JP"/>
       </a:defPPr>
-      <a:lvl1pPr marL="0" algn="l" defTabSz="457200" rtl="0" eaLnBrk="1" latinLnBrk="0" hangingPunct="1">
-        <a:defRPr kumimoji="1" sz="1800" kern="1200">
+      <a:lvl1pPr marL="0" algn="l" defTabSz="457225" rtl="0" eaLnBrk="1" latinLnBrk="0" hangingPunct="1">
+        <a:defRPr kumimoji="1" sz="1801" kern="1200">
           <a:solidFill>
             <a:schemeClr val="tx1"/>
           </a:solidFill>
@@ -3947,8 +3962,8 @@
           <a:cs typeface="+mn-cs"/>
         </a:defRPr>
       </a:lvl1pPr>
-      <a:lvl2pPr marL="457200" algn="l" defTabSz="457200" rtl="0" eaLnBrk="1" latinLnBrk="0" hangingPunct="1">
-        <a:defRPr kumimoji="1" sz="1800" kern="1200">
+      <a:lvl2pPr marL="457225" algn="l" defTabSz="457225" rtl="0" eaLnBrk="1" latinLnBrk="0" hangingPunct="1">
+        <a:defRPr kumimoji="1" sz="1801" kern="1200">
           <a:solidFill>
             <a:schemeClr val="tx1"/>
           </a:solidFill>
@@ -3957,8 +3972,8 @@
           <a:cs typeface="+mn-cs"/>
         </a:defRPr>
       </a:lvl2pPr>
-      <a:lvl3pPr marL="914400" algn="l" defTabSz="457200" rtl="0" eaLnBrk="1" latinLnBrk="0" hangingPunct="1">
-        <a:defRPr kumimoji="1" sz="1800" kern="1200">
+      <a:lvl3pPr marL="914451" algn="l" defTabSz="457225" rtl="0" eaLnBrk="1" latinLnBrk="0" hangingPunct="1">
+        <a:defRPr kumimoji="1" sz="1801" kern="1200">
           <a:solidFill>
             <a:schemeClr val="tx1"/>
           </a:solidFill>
@@ -3967,8 +3982,8 @@
           <a:cs typeface="+mn-cs"/>
         </a:defRPr>
       </a:lvl3pPr>
-      <a:lvl4pPr marL="1371600" algn="l" defTabSz="457200" rtl="0" eaLnBrk="1" latinLnBrk="0" hangingPunct="1">
-        <a:defRPr kumimoji="1" sz="1800" kern="1200">
+      <a:lvl4pPr marL="1371676" algn="l" defTabSz="457225" rtl="0" eaLnBrk="1" latinLnBrk="0" hangingPunct="1">
+        <a:defRPr kumimoji="1" sz="1801" kern="1200">
           <a:solidFill>
             <a:schemeClr val="tx1"/>
           </a:solidFill>
@@ -3977,8 +3992,8 @@
           <a:cs typeface="+mn-cs"/>
         </a:defRPr>
       </a:lvl4pPr>
-      <a:lvl5pPr marL="1828800" algn="l" defTabSz="457200" rtl="0" eaLnBrk="1" latinLnBrk="0" hangingPunct="1">
-        <a:defRPr kumimoji="1" sz="1800" kern="1200">
+      <a:lvl5pPr marL="1828902" algn="l" defTabSz="457225" rtl="0" eaLnBrk="1" latinLnBrk="0" hangingPunct="1">
+        <a:defRPr kumimoji="1" sz="1801" kern="1200">
           <a:solidFill>
             <a:schemeClr val="tx1"/>
           </a:solidFill>
@@ -3987,8 +4002,8 @@
           <a:cs typeface="+mn-cs"/>
         </a:defRPr>
       </a:lvl5pPr>
-      <a:lvl6pPr marL="2286000" algn="l" defTabSz="457200" rtl="0" eaLnBrk="1" latinLnBrk="0" hangingPunct="1">
-        <a:defRPr kumimoji="1" sz="1800" kern="1200">
+      <a:lvl6pPr marL="2286127" algn="l" defTabSz="457225" rtl="0" eaLnBrk="1" latinLnBrk="0" hangingPunct="1">
+        <a:defRPr kumimoji="1" sz="1801" kern="1200">
           <a:solidFill>
             <a:schemeClr val="tx1"/>
           </a:solidFill>
@@ -3997,8 +4012,8 @@
           <a:cs typeface="+mn-cs"/>
         </a:defRPr>
       </a:lvl6pPr>
-      <a:lvl7pPr marL="2743200" algn="l" defTabSz="457200" rtl="0" eaLnBrk="1" latinLnBrk="0" hangingPunct="1">
-        <a:defRPr kumimoji="1" sz="1800" kern="1200">
+      <a:lvl7pPr marL="2743353" algn="l" defTabSz="457225" rtl="0" eaLnBrk="1" latinLnBrk="0" hangingPunct="1">
+        <a:defRPr kumimoji="1" sz="1801" kern="1200">
           <a:solidFill>
             <a:schemeClr val="tx1"/>
           </a:solidFill>
@@ -4007,8 +4022,8 @@
           <a:cs typeface="+mn-cs"/>
         </a:defRPr>
       </a:lvl7pPr>
-      <a:lvl8pPr marL="3200400" algn="l" defTabSz="457200" rtl="0" eaLnBrk="1" latinLnBrk="0" hangingPunct="1">
-        <a:defRPr kumimoji="1" sz="1800" kern="1200">
+      <a:lvl8pPr marL="3200578" algn="l" defTabSz="457225" rtl="0" eaLnBrk="1" latinLnBrk="0" hangingPunct="1">
+        <a:defRPr kumimoji="1" sz="1801" kern="1200">
           <a:solidFill>
             <a:schemeClr val="tx1"/>
           </a:solidFill>
@@ -4017,8 +4032,8 @@
           <a:cs typeface="+mn-cs"/>
         </a:defRPr>
       </a:lvl8pPr>
-      <a:lvl9pPr marL="3657600" algn="l" defTabSz="457200" rtl="0" eaLnBrk="1" latinLnBrk="0" hangingPunct="1">
-        <a:defRPr kumimoji="1" sz="1800" kern="1200">
+      <a:lvl9pPr marL="3657804" algn="l" defTabSz="457225" rtl="0" eaLnBrk="1" latinLnBrk="0" hangingPunct="1">
+        <a:defRPr kumimoji="1" sz="1801" kern="1200">
           <a:solidFill>
             <a:schemeClr val="tx1"/>
           </a:solidFill>
@@ -4057,7 +4072,7 @@
         </p:nvSpPr>
         <p:spPr>
           <a:xfrm>
-            <a:off x="953426" y="2995038"/>
+            <a:off x="989150" y="3022029"/>
             <a:ext cx="1894549" cy="717779"/>
           </a:xfrm>
           <a:prstGeom prst="roundRect">
@@ -4084,10 +4099,10 @@
           <a:p>
             <a:pPr algn="ctr"/>
             <a:r>
-              <a:rPr kumimoji="1" lang="en-US" altLang="ja-JP" sz="2000" dirty="0" smtClean="0"/>
+              <a:rPr lang="en-US" altLang="ja-JP" sz="2000" dirty="0"/>
               <a:t>Spring MVC</a:t>
             </a:r>
-            <a:endParaRPr kumimoji="1" lang="ja-JP" altLang="en-US" sz="2000" dirty="0"/>
+            <a:endParaRPr lang="ja-JP" altLang="en-US" sz="2000" dirty="0"/>
           </a:p>
         </p:txBody>
       </p:sp>
@@ -4099,7 +4114,7 @@
         </p:nvSpPr>
         <p:spPr>
           <a:xfrm>
-            <a:off x="690514" y="1323975"/>
+            <a:off x="726233" y="1350966"/>
             <a:ext cx="2357486" cy="3267075"/>
           </a:xfrm>
           <a:prstGeom prst="roundRect">
@@ -4127,7 +4142,7 @@
           <a:p>
             <a:pPr algn="ctr"/>
             <a:r>
-              <a:rPr lang="en-US" altLang="ja-JP" sz="2000" b="1" dirty="0" smtClean="0">
+              <a:rPr lang="en-US" altLang="ja-JP" sz="2000" b="1" dirty="0">
                 <a:solidFill>
                   <a:schemeClr val="accent1">
                     <a:lumMod val="75000"/>
@@ -4140,7 +4155,7 @@
           <a:p>
             <a:pPr algn="ctr"/>
             <a:r>
-              <a:rPr lang="en-US" altLang="ja-JP" sz="2000" b="1" dirty="0" smtClean="0">
+              <a:rPr lang="en-US" altLang="ja-JP" sz="2000" b="1" dirty="0">
                 <a:solidFill>
                   <a:schemeClr val="accent1">
                     <a:lumMod val="75000"/>
@@ -4149,7 +4164,7 @@
               </a:rPr>
               <a:t>Layer</a:t>
             </a:r>
-            <a:endParaRPr kumimoji="1" lang="ja-JP" altLang="en-US" sz="2000" b="1" dirty="0">
+            <a:endParaRPr lang="ja-JP" altLang="en-US" sz="2000" b="1" dirty="0">
               <a:solidFill>
                 <a:schemeClr val="accent1">
                   <a:lumMod val="75000"/>
@@ -4167,7 +4182,7 @@
         </p:nvSpPr>
         <p:spPr>
           <a:xfrm>
-            <a:off x="3414664" y="1323975"/>
+            <a:off x="3450383" y="1350966"/>
             <a:ext cx="2357486" cy="3267075"/>
           </a:xfrm>
           <a:prstGeom prst="roundRect">
@@ -4195,7 +4210,7 @@
           <a:p>
             <a:pPr algn="ctr"/>
             <a:r>
-              <a:rPr kumimoji="1" lang="en-US" altLang="ja-JP" sz="2000" b="1" dirty="0" smtClean="0">
+              <a:rPr lang="en-US" altLang="ja-JP" sz="2000" b="1" dirty="0">
                 <a:solidFill>
                   <a:schemeClr val="accent3">
                     <a:lumMod val="75000"/>
@@ -4208,7 +4223,7 @@
           <a:p>
             <a:pPr algn="ctr"/>
             <a:r>
-              <a:rPr kumimoji="1" lang="en-US" altLang="ja-JP" sz="2000" b="1" dirty="0" smtClean="0">
+              <a:rPr lang="en-US" altLang="ja-JP" sz="2000" b="1" dirty="0">
                 <a:solidFill>
                   <a:schemeClr val="accent3">
                     <a:lumMod val="75000"/>
@@ -4217,7 +4232,7 @@
               </a:rPr>
               <a:t>Layer</a:t>
             </a:r>
-            <a:endParaRPr kumimoji="1" lang="ja-JP" altLang="en-US" sz="2000" b="1" dirty="0">
+            <a:endParaRPr lang="ja-JP" altLang="en-US" sz="2000" b="1" dirty="0">
               <a:solidFill>
                 <a:schemeClr val="accent3">
                   <a:lumMod val="75000"/>
@@ -4235,7 +4250,7 @@
         </p:nvSpPr>
         <p:spPr>
           <a:xfrm>
-            <a:off x="6113534" y="1323975"/>
+            <a:off x="6149253" y="1350966"/>
             <a:ext cx="2357486" cy="3267075"/>
           </a:xfrm>
           <a:prstGeom prst="roundRect">
@@ -4263,7 +4278,7 @@
           <a:p>
             <a:pPr algn="ctr"/>
             <a:r>
-              <a:rPr kumimoji="1" lang="en-US" altLang="ja-JP" sz="2000" b="1" dirty="0" smtClean="0">
+              <a:rPr lang="en-US" altLang="ja-JP" sz="2000" b="1" dirty="0">
                 <a:solidFill>
                   <a:schemeClr val="accent4">
                     <a:lumMod val="75000"/>
@@ -4272,7 +4287,7 @@
               </a:rPr>
               <a:t>Infrastructure Layer</a:t>
             </a:r>
-            <a:endParaRPr kumimoji="1" lang="ja-JP" altLang="en-US" sz="2000" b="1" dirty="0">
+            <a:endParaRPr lang="ja-JP" altLang="en-US" sz="2000" b="1" dirty="0">
               <a:solidFill>
                 <a:schemeClr val="accent4">
                   <a:lumMod val="75000"/>
@@ -4290,7 +4305,7 @@
         </p:nvSpPr>
         <p:spPr>
           <a:xfrm>
-            <a:off x="6276975" y="2995038"/>
+            <a:off x="6312698" y="3022029"/>
             <a:ext cx="2000249" cy="717779"/>
           </a:xfrm>
           <a:prstGeom prst="roundRect">
@@ -4317,20 +4332,8 @@
           <a:p>
             <a:pPr algn="ctr"/>
             <a:r>
-              <a:rPr kumimoji="1" lang="en-US" altLang="ja-JP" sz="2000" dirty="0" err="1" smtClean="0"/>
+              <a:rPr lang="en-US" altLang="ja-JP" sz="2000" dirty="0" err="1"/>
               <a:t>MyBatis</a:t>
-            </a:r>
-            <a:endParaRPr kumimoji="1" lang="en-US" altLang="ja-JP" sz="2000" dirty="0" smtClean="0"/>
-          </a:p>
-          <a:p>
-            <a:pPr algn="ctr"/>
-            <a:r>
-              <a:rPr lang="en-US" altLang="ja-JP" sz="2000" dirty="0"/>
-              <a:t>Spring Data </a:t>
-            </a:r>
-            <a:r>
-              <a:rPr lang="en-US" altLang="ja-JP" sz="2000" dirty="0" smtClean="0"/>
-              <a:t>JPA</a:t>
             </a:r>
             <a:endParaRPr lang="en-US" altLang="ja-JP" sz="2000" dirty="0"/>
           </a:p>
@@ -4344,8 +4347,8 @@
         </p:nvSpPr>
         <p:spPr>
           <a:xfrm>
-            <a:off x="690515" y="4676774"/>
-            <a:ext cx="7780506" cy="647701"/>
+            <a:off x="726235" y="4703766"/>
+            <a:ext cx="7780505" cy="647701"/>
           </a:xfrm>
           <a:prstGeom prst="roundRect">
             <a:avLst/>
@@ -4371,10 +4374,10 @@
           <a:p>
             <a:pPr algn="ctr"/>
             <a:r>
-              <a:rPr lang="en-US" altLang="ja-JP" sz="2400" dirty="0" smtClean="0"/>
+              <a:rPr lang="en-US" altLang="ja-JP" sz="2400" dirty="0"/>
               <a:t>Java EE Application Server</a:t>
             </a:r>
-            <a:endParaRPr kumimoji="1" lang="ja-JP" altLang="en-US" sz="2400" dirty="0"/>
+            <a:endParaRPr lang="ja-JP" altLang="en-US" sz="2400" dirty="0"/>
           </a:p>
         </p:txBody>
       </p:sp>
@@ -4386,7 +4389,7 @@
         </p:nvSpPr>
         <p:spPr>
           <a:xfrm>
-            <a:off x="8897509" y="3018369"/>
+            <a:off x="8933232" y="3045359"/>
             <a:ext cx="1495425" cy="670037"/>
           </a:xfrm>
           <a:prstGeom prst="flowChartMagneticDisk">
@@ -4413,10 +4416,10 @@
           <a:p>
             <a:pPr algn="ctr"/>
             <a:r>
-              <a:rPr lang="en-US" altLang="ja-JP" dirty="0" smtClean="0"/>
+              <a:rPr lang="en-US" altLang="ja-JP" sz="1801" dirty="0"/>
               <a:t>RDBMS</a:t>
             </a:r>
-            <a:endParaRPr kumimoji="1" lang="ja-JP" altLang="en-US" dirty="0"/>
+            <a:endParaRPr lang="ja-JP" altLang="en-US" sz="1801" dirty="0"/>
           </a:p>
         </p:txBody>
       </p:sp>
@@ -4431,7 +4434,7 @@
         </p:nvCxnSpPr>
         <p:spPr>
           <a:xfrm flipH="1">
-            <a:off x="257173" y="3353928"/>
+            <a:off x="292897" y="3380915"/>
             <a:ext cx="696253" cy="1918"/>
           </a:xfrm>
           <a:prstGeom prst="straightConnector1">
@@ -4474,7 +4477,7 @@
         </p:nvCxnSpPr>
         <p:spPr>
           <a:xfrm flipH="1">
-            <a:off x="8277224" y="3353388"/>
+            <a:off x="8312946" y="3380375"/>
             <a:ext cx="620285" cy="540"/>
           </a:xfrm>
           <a:prstGeom prst="straightConnector1">
@@ -4514,7 +4517,7 @@
         </p:nvSpPr>
         <p:spPr>
           <a:xfrm>
-            <a:off x="908895" y="3880360"/>
+            <a:off x="944618" y="3907347"/>
             <a:ext cx="7396905" cy="523682"/>
           </a:xfrm>
           <a:prstGeom prst="roundRect">
@@ -4558,14 +4561,14 @@
           <a:p>
             <a:pPr algn="ctr"/>
             <a:r>
-              <a:rPr kumimoji="1" lang="en-US" altLang="ja-JP" sz="2400" dirty="0" smtClean="0">
+              <a:rPr lang="en-US" altLang="ja-JP" sz="2400" dirty="0">
                 <a:solidFill>
                   <a:schemeClr val="bg1"/>
                 </a:solidFill>
               </a:rPr>
               <a:t>Spring Framework</a:t>
             </a:r>
-            <a:endParaRPr kumimoji="1" lang="ja-JP" altLang="en-US" sz="2400" dirty="0">
+            <a:endParaRPr lang="ja-JP" altLang="en-US" sz="2400" dirty="0">
               <a:solidFill>
                 <a:schemeClr val="bg1"/>
               </a:solidFill>
@@ -4581,8 +4584,8 @@
         </p:nvSpPr>
         <p:spPr>
           <a:xfrm rot="10800000">
-            <a:off x="1057273" y="2341650"/>
-            <a:ext cx="3577113" cy="1380692"/>
+            <a:off x="1092995" y="2368637"/>
+            <a:ext cx="3577112" cy="1380692"/>
           </a:xfrm>
           <a:prstGeom prst="corner">
             <a:avLst>
@@ -4643,7 +4646,7 @@
           <a:lstStyle/>
           <a:p>
             <a:pPr algn="ctr"/>
-            <a:endParaRPr kumimoji="1" lang="ja-JP" altLang="en-US" sz="2400" dirty="0" smtClean="0">
+            <a:endParaRPr lang="ja-JP" altLang="en-US" sz="2400" dirty="0">
               <a:solidFill>
                 <a:schemeClr val="bg1"/>
               </a:solidFill>
@@ -4659,8 +4662,8 @@
         </p:nvSpPr>
         <p:spPr>
           <a:xfrm rot="10800000" flipH="1">
-            <a:off x="4575297" y="2341647"/>
-            <a:ext cx="3619498" cy="1380695"/>
+            <a:off x="4611018" y="2368638"/>
+            <a:ext cx="3619497" cy="1380695"/>
           </a:xfrm>
           <a:prstGeom prst="corner">
             <a:avLst>
@@ -4721,7 +4724,7 @@
           <a:lstStyle/>
           <a:p>
             <a:pPr algn="ctr"/>
-            <a:endParaRPr kumimoji="1" lang="ja-JP" altLang="en-US" sz="2400" dirty="0" smtClean="0">
+            <a:endParaRPr lang="ja-JP" altLang="en-US" sz="2400" dirty="0">
               <a:solidFill>
                 <a:schemeClr val="bg1"/>
               </a:solidFill>
@@ -4737,8 +4740,8 @@
         </p:nvSpPr>
         <p:spPr>
           <a:xfrm>
-            <a:off x="3765205" y="2627166"/>
-            <a:ext cx="1757411" cy="830997"/>
+            <a:off x="3800926" y="2654157"/>
+            <a:ext cx="1757412" cy="830997"/>
           </a:xfrm>
           <a:prstGeom prst="rect">
             <a:avLst/>
@@ -4753,7 +4756,7 @@
           <a:p>
             <a:pPr algn="ctr"/>
             <a:r>
-              <a:rPr kumimoji="1" lang="en-US" altLang="ja-JP" sz="2400" b="1" dirty="0" smtClean="0">
+              <a:rPr lang="en-US" altLang="ja-JP" sz="2400" b="1" dirty="0">
                 <a:solidFill>
                   <a:schemeClr val="tx1">
                     <a:lumMod val="75000"/>
@@ -4763,7 +4766,7 @@
               </a:rPr>
               <a:t>Business Application</a:t>
             </a:r>
-            <a:endParaRPr kumimoji="1" lang="ja-JP" altLang="en-US" sz="2400" b="1" dirty="0">
+            <a:endParaRPr lang="ja-JP" altLang="en-US" sz="2400" b="1" dirty="0">
               <a:solidFill>
                 <a:schemeClr val="tx1">
                   <a:lumMod val="75000"/>
@@ -4784,8 +4787,8 @@
         </p:nvCxnSpPr>
         <p:spPr>
           <a:xfrm flipV="1">
-            <a:off x="1900701" y="2627166"/>
-            <a:ext cx="0" cy="367872"/>
+            <a:off x="1936421" y="2654153"/>
+            <a:ext cx="0" cy="367873"/>
           </a:xfrm>
           <a:prstGeom prst="straightConnector1">
             <a:avLst/>
@@ -4826,8 +4829,8 @@
         </p:nvCxnSpPr>
         <p:spPr>
           <a:xfrm flipV="1">
-            <a:off x="7277100" y="2627166"/>
-            <a:ext cx="0" cy="367872"/>
+            <a:off x="7312819" y="2654153"/>
+            <a:ext cx="0" cy="367873"/>
           </a:xfrm>
           <a:prstGeom prst="straightConnector1">
             <a:avLst/>
@@ -4866,7 +4869,7 @@
         </p:nvSpPr>
         <p:spPr>
           <a:xfrm>
-            <a:off x="-1359194" y="3022471"/>
+            <a:off x="-1323473" y="3049458"/>
             <a:ext cx="1616367" cy="666750"/>
           </a:xfrm>
           <a:prstGeom prst="rect">
@@ -4894,30 +4897,25 @@
           <a:p>
             <a:pPr algn="ctr"/>
             <a:r>
-              <a:rPr lang="en-US" altLang="ja-JP" dirty="0" smtClean="0"/>
+              <a:rPr lang="en-US" altLang="ja-JP" sz="1801" dirty="0"/>
               <a:t>Web</a:t>
             </a:r>
             <a:r>
-              <a:rPr lang="ja-JP" altLang="en-US" dirty="0"/>
+              <a:rPr lang="ja-JP" altLang="en-US" sz="1801" dirty="0"/>
               <a:t> </a:t>
             </a:r>
             <a:r>
-              <a:rPr lang="en-US" altLang="ja-JP" dirty="0" smtClean="0"/>
+              <a:rPr lang="en-US" altLang="ja-JP" sz="1801" dirty="0"/>
               <a:t>Browser</a:t>
             </a:r>
-            <a:endParaRPr lang="en-US" altLang="ja-JP" dirty="0"/>
           </a:p>
           <a:p>
             <a:pPr algn="ctr"/>
             <a:r>
-              <a:rPr lang="en-US" altLang="ja-JP" dirty="0"/>
-              <a:t>(Client</a:t>
-            </a:r>
-            <a:r>
-              <a:rPr lang="en-US" altLang="ja-JP" dirty="0" smtClean="0"/>
-              <a:t>)</a:t>
-            </a:r>
-            <a:endParaRPr lang="ja-JP" altLang="en-US" dirty="0"/>
+              <a:rPr lang="en-US" altLang="ja-JP" sz="1801" dirty="0"/>
+              <a:t>(Client)</a:t>
+            </a:r>
+            <a:endParaRPr lang="ja-JP" altLang="en-US" sz="1801" dirty="0"/>
           </a:p>
         </p:txBody>
       </p:sp>
@@ -4966,8 +4964,8 @@
         </p:nvSpPr>
         <p:spPr>
           <a:xfrm>
-            <a:off x="974790" y="2612507"/>
-            <a:ext cx="1939283" cy="666749"/>
+            <a:off x="1010513" y="2639497"/>
+            <a:ext cx="1939283" cy="666748"/>
           </a:xfrm>
           <a:prstGeom prst="roundRect">
             <a:avLst/>
@@ -4993,10 +4991,10 @@
           <a:p>
             <a:pPr algn="ctr"/>
             <a:r>
-              <a:rPr kumimoji="1" lang="en-US" altLang="ja-JP" dirty="0" smtClean="0"/>
+              <a:rPr lang="en-US" altLang="ja-JP" sz="1801" dirty="0"/>
               <a:t>Spring MVC</a:t>
             </a:r>
-            <a:endParaRPr kumimoji="1" lang="ja-JP" altLang="en-US" dirty="0"/>
+            <a:endParaRPr lang="ja-JP" altLang="en-US" sz="1801" dirty="0"/>
           </a:p>
         </p:txBody>
       </p:sp>
@@ -5008,7 +5006,7 @@
         </p:nvSpPr>
         <p:spPr>
           <a:xfrm>
-            <a:off x="4083925" y="2745857"/>
+            <a:off x="4119645" y="2772845"/>
             <a:ext cx="1694658" cy="666750"/>
           </a:xfrm>
           <a:prstGeom prst="roundRect">
@@ -5035,10 +5033,10 @@
           <a:p>
             <a:pPr algn="ctr"/>
             <a:r>
-              <a:rPr kumimoji="1" lang="en-US" altLang="ja-JP" dirty="0" smtClean="0"/>
+              <a:rPr lang="en-US" altLang="ja-JP" sz="1801" dirty="0"/>
               <a:t>Spring(TX)</a:t>
             </a:r>
-            <a:endParaRPr kumimoji="1" lang="ja-JP" altLang="en-US" dirty="0"/>
+            <a:endParaRPr lang="ja-JP" altLang="en-US" sz="1801" dirty="0"/>
           </a:p>
         </p:txBody>
       </p:sp>
@@ -5050,7 +5048,7 @@
         </p:nvSpPr>
         <p:spPr>
           <a:xfrm>
-            <a:off x="528589" y="1794192"/>
+            <a:off x="564313" y="1821179"/>
             <a:ext cx="2900411" cy="2313354"/>
           </a:xfrm>
           <a:prstGeom prst="roundRect">
@@ -5078,7 +5076,7 @@
           <a:p>
             <a:pPr algn="ctr"/>
             <a:r>
-              <a:rPr lang="en-US" altLang="ja-JP" sz="2000" b="1" dirty="0" smtClean="0">
+              <a:rPr lang="en-US" altLang="ja-JP" sz="2000" b="1" dirty="0">
                 <a:solidFill>
                   <a:schemeClr val="accent1">
                     <a:lumMod val="75000"/>
@@ -5087,7 +5085,7 @@
               </a:rPr>
               <a:t>Application Layer</a:t>
             </a:r>
-            <a:endParaRPr kumimoji="1" lang="ja-JP" altLang="en-US" sz="2000" b="1" dirty="0">
+            <a:endParaRPr lang="ja-JP" altLang="en-US" sz="2000" b="1" dirty="0">
               <a:solidFill>
                 <a:schemeClr val="accent1">
                   <a:lumMod val="75000"/>
@@ -5105,8 +5103,8 @@
         </p:nvSpPr>
         <p:spPr>
           <a:xfrm>
-            <a:off x="3848101" y="1794192"/>
-            <a:ext cx="2133600" cy="2313354"/>
+            <a:off x="3883821" y="1821179"/>
+            <a:ext cx="2133601" cy="2313354"/>
           </a:xfrm>
           <a:prstGeom prst="roundRect">
             <a:avLst/>
@@ -5133,7 +5131,7 @@
           <a:p>
             <a:pPr algn="ctr"/>
             <a:r>
-              <a:rPr kumimoji="1" lang="en-US" altLang="ja-JP" sz="2000" b="1" dirty="0" smtClean="0">
+              <a:rPr lang="en-US" altLang="ja-JP" sz="2000" b="1" dirty="0">
                 <a:solidFill>
                   <a:schemeClr val="accent3">
                     <a:lumMod val="75000"/>
@@ -5142,7 +5140,7 @@
               </a:rPr>
               <a:t>Domain Layer</a:t>
             </a:r>
-            <a:endParaRPr kumimoji="1" lang="ja-JP" altLang="en-US" sz="2000" b="1" dirty="0">
+            <a:endParaRPr lang="ja-JP" altLang="en-US" sz="2000" b="1" dirty="0">
               <a:solidFill>
                 <a:schemeClr val="accent3">
                   <a:lumMod val="75000"/>
@@ -5160,8 +5158,8 @@
         </p:nvSpPr>
         <p:spPr>
           <a:xfrm>
-            <a:off x="6400800" y="1794191"/>
-            <a:ext cx="2609850" cy="2313355"/>
+            <a:off x="6436519" y="1821182"/>
+            <a:ext cx="2609851" cy="2313355"/>
           </a:xfrm>
           <a:prstGeom prst="roundRect">
             <a:avLst/>
@@ -5188,7 +5186,7 @@
           <a:p>
             <a:pPr algn="ctr"/>
             <a:r>
-              <a:rPr kumimoji="1" lang="en-US" altLang="ja-JP" sz="2000" b="1" dirty="0" smtClean="0">
+              <a:rPr lang="en-US" altLang="ja-JP" sz="2000" b="1" dirty="0">
                 <a:solidFill>
                   <a:schemeClr val="accent4">
                     <a:lumMod val="75000"/>
@@ -5197,7 +5195,7 @@
               </a:rPr>
               <a:t>Infrastructure Layer</a:t>
             </a:r>
-            <a:endParaRPr kumimoji="1" lang="ja-JP" altLang="en-US" sz="2000" b="1" dirty="0">
+            <a:endParaRPr lang="ja-JP" altLang="en-US" sz="2000" b="1" dirty="0">
               <a:solidFill>
                 <a:schemeClr val="accent4">
                   <a:lumMod val="75000"/>
@@ -5215,7 +5213,7 @@
         </p:nvSpPr>
         <p:spPr>
           <a:xfrm>
-            <a:off x="6828156" y="2306094"/>
+            <a:off x="6897054" y="2707510"/>
             <a:ext cx="1688784" cy="790822"/>
           </a:xfrm>
           <a:prstGeom prst="roundRect">
@@ -5242,7 +5240,7 @@
           <a:p>
             <a:pPr algn="ctr"/>
             <a:r>
-              <a:rPr lang="en-US" altLang="ja-JP" dirty="0" smtClean="0"/>
+              <a:rPr lang="en-US" altLang="ja-JP" sz="1801" dirty="0"/>
               <a:t>MyBatis3</a:t>
             </a:r>
           </a:p>
@@ -5256,8 +5254,8 @@
         </p:nvSpPr>
         <p:spPr>
           <a:xfrm>
-            <a:off x="687438" y="3198516"/>
-            <a:ext cx="1074687" cy="504732"/>
+            <a:off x="723160" y="3225505"/>
+            <a:ext cx="1074687" cy="504731"/>
           </a:xfrm>
           <a:prstGeom prst="roundRect">
             <a:avLst/>
@@ -5283,14 +5281,10 @@
           <a:p>
             <a:pPr algn="ctr"/>
             <a:r>
-              <a:rPr kumimoji="1" lang="en-US" altLang="ja-JP" sz="1600" dirty="0" smtClean="0"/>
-              <a:t>JSP/</a:t>
-            </a:r>
-            <a:r>
-              <a:rPr lang="en-US" altLang="ja-JP" sz="1600" dirty="0" smtClean="0"/>
-              <a:t>Tiles</a:t>
-            </a:r>
-            <a:endParaRPr kumimoji="1" lang="ja-JP" altLang="en-US" sz="1600" dirty="0"/>
+              <a:rPr lang="en-US" altLang="ja-JP" sz="1600" dirty="0"/>
+              <a:t>JSP/Tiles</a:t>
+            </a:r>
+            <a:endParaRPr lang="ja-JP" altLang="en-US" sz="1600" dirty="0"/>
           </a:p>
         </p:txBody>
       </p:sp>
@@ -5302,7 +5296,7 @@
         </p:nvSpPr>
         <p:spPr>
           <a:xfrm>
-            <a:off x="2077782" y="3198516"/>
+            <a:off x="2113505" y="3225507"/>
             <a:ext cx="1151193" cy="504733"/>
           </a:xfrm>
           <a:prstGeom prst="roundRect">
@@ -5329,14 +5323,14 @@
           <a:p>
             <a:pPr algn="ctr"/>
             <a:r>
-              <a:rPr kumimoji="1" lang="en-US" altLang="ja-JP" sz="1600" dirty="0" smtClean="0"/>
+              <a:rPr lang="en-US" altLang="ja-JP" sz="1600" dirty="0"/>
               <a:t>Bean </a:t>
             </a:r>
           </a:p>
           <a:p>
             <a:pPr algn="ctr"/>
             <a:r>
-              <a:rPr kumimoji="1" lang="en-US" altLang="ja-JP" sz="1600" dirty="0" smtClean="0"/>
+              <a:rPr lang="en-US" altLang="ja-JP" sz="1600" dirty="0"/>
               <a:t>Validation</a:t>
             </a:r>
           </a:p>
@@ -5350,7 +5344,7 @@
         </p:nvSpPr>
         <p:spPr>
           <a:xfrm>
-            <a:off x="974790" y="707543"/>
+            <a:off x="1010513" y="734533"/>
             <a:ext cx="1939283" cy="458887"/>
           </a:xfrm>
           <a:prstGeom prst="roundRect">
@@ -5377,10 +5371,10 @@
           <a:p>
             <a:pPr algn="ctr"/>
             <a:r>
-              <a:rPr kumimoji="1" lang="en-US" altLang="ja-JP" dirty="0" smtClean="0"/>
+              <a:rPr lang="en-US" altLang="ja-JP" sz="1801" dirty="0"/>
               <a:t>Spring Security</a:t>
             </a:r>
-            <a:endParaRPr kumimoji="1" lang="ja-JP" altLang="en-US" dirty="0"/>
+            <a:endParaRPr lang="ja-JP" altLang="en-US" sz="1801" dirty="0"/>
           </a:p>
         </p:txBody>
       </p:sp>
@@ -5392,8 +5386,8 @@
         </p:nvSpPr>
         <p:spPr>
           <a:xfrm>
-            <a:off x="528589" y="197245"/>
-            <a:ext cx="2900412" cy="1211824"/>
+            <a:off x="564309" y="224233"/>
+            <a:ext cx="2900413" cy="1211825"/>
           </a:xfrm>
           <a:prstGeom prst="roundRect">
             <a:avLst/>
@@ -5420,74 +5414,22 @@
           <a:p>
             <a:pPr algn="ctr"/>
             <a:r>
-              <a:rPr lang="en-US" altLang="ja-JP" sz="2000" b="1" dirty="0" smtClean="0">
+              <a:rPr lang="en-US" altLang="ja-JP" sz="2000" b="1" dirty="0">
                 <a:solidFill>
                   <a:schemeClr val="accent6">
                     <a:lumMod val="75000"/>
                   </a:schemeClr>
                 </a:solidFill>
               </a:rPr>
-              <a:t>Security</a:t>
-            </a:r>
-            <a:r>
-              <a:rPr kumimoji="1" lang="en-US" altLang="ja-JP" sz="2000" b="1" dirty="0" smtClean="0">
-                <a:solidFill>
-                  <a:schemeClr val="accent6">
-                    <a:lumMod val="75000"/>
-                  </a:schemeClr>
-                </a:solidFill>
-              </a:rPr>
-              <a:t> Layer</a:t>
-            </a:r>
-            <a:endParaRPr kumimoji="1" lang="ja-JP" altLang="en-US" sz="2000" b="1" dirty="0">
+              <a:t>Security Layer</a:t>
+            </a:r>
+            <a:endParaRPr lang="ja-JP" altLang="en-US" sz="2000" b="1" dirty="0">
               <a:solidFill>
                 <a:schemeClr val="accent6">
                   <a:lumMod val="75000"/>
                 </a:schemeClr>
               </a:solidFill>
             </a:endParaRPr>
-          </a:p>
-        </p:txBody>
-      </p:sp>
-      <p:sp>
-        <p:nvSpPr>
-          <p:cNvPr id="20" name="角丸四角形 19"/>
-          <p:cNvSpPr/>
-          <p:nvPr/>
-        </p:nvSpPr>
-        <p:spPr>
-          <a:xfrm>
-            <a:off x="6856730" y="3198516"/>
-            <a:ext cx="1688785" cy="737180"/>
-          </a:xfrm>
-          <a:prstGeom prst="roundRect">
-            <a:avLst/>
-          </a:prstGeom>
-        </p:spPr>
-        <p:style>
-          <a:lnRef idx="1">
-            <a:schemeClr val="accent4"/>
-          </a:lnRef>
-          <a:fillRef idx="3">
-            <a:schemeClr val="accent4"/>
-          </a:fillRef>
-          <a:effectRef idx="2">
-            <a:schemeClr val="accent4"/>
-          </a:effectRef>
-          <a:fontRef idx="minor">
-            <a:schemeClr val="lt1"/>
-          </a:fontRef>
-        </p:style>
-        <p:txBody>
-          <a:bodyPr rtlCol="0" anchor="ctr"/>
-          <a:lstStyle/>
-          <a:p>
-            <a:pPr algn="ctr"/>
-            <a:r>
-              <a:rPr lang="en-US" altLang="ja-JP" dirty="0" smtClean="0"/>
-              <a:t>Spring Data JPA</a:t>
-            </a:r>
-            <a:endParaRPr kumimoji="1" lang="ja-JP" altLang="en-US" dirty="0"/>
           </a:p>
         </p:txBody>
       </p:sp>
@@ -5502,8 +5444,8 @@
         </p:nvCxnSpPr>
         <p:spPr>
           <a:xfrm>
-            <a:off x="76198" y="803157"/>
-            <a:ext cx="452391" cy="0"/>
+            <a:off x="188119" y="830144"/>
+            <a:ext cx="376190" cy="0"/>
           </a:xfrm>
           <a:prstGeom prst="straightConnector1">
             <a:avLst/>
@@ -5545,7 +5487,7 @@
         </p:nvCxnSpPr>
         <p:spPr>
           <a:xfrm flipV="1">
-            <a:off x="1978795" y="1409069"/>
+            <a:off x="2014514" y="1436060"/>
             <a:ext cx="0" cy="385123"/>
           </a:xfrm>
           <a:prstGeom prst="straightConnector1">
@@ -5585,7 +5527,7 @@
         </p:nvSpPr>
         <p:spPr>
           <a:xfrm>
-            <a:off x="528589" y="5895563"/>
+            <a:off x="564308" y="5922555"/>
             <a:ext cx="8482062" cy="873537"/>
           </a:xfrm>
           <a:prstGeom prst="roundRect">
@@ -5629,7 +5571,7 @@
           <a:p>
             <a:pPr algn="ctr"/>
             <a:r>
-              <a:rPr kumimoji="1" lang="en-US" altLang="ja-JP" sz="2800" dirty="0" smtClean="0">
+              <a:rPr lang="en-US" altLang="ja-JP" sz="2801" dirty="0">
                 <a:solidFill>
                   <a:schemeClr val="bg1"/>
                 </a:solidFill>
@@ -5640,14 +5582,14 @@
           <a:p>
             <a:pPr algn="ctr"/>
             <a:r>
-              <a:rPr kumimoji="1" lang="en-US" altLang="ja-JP" sz="2800" dirty="0" smtClean="0">
+              <a:rPr lang="en-US" altLang="ja-JP" sz="2801" dirty="0">
                 <a:solidFill>
                   <a:schemeClr val="bg1"/>
                 </a:solidFill>
               </a:rPr>
               <a:t>(DI , AOP …)</a:t>
             </a:r>
-            <a:endParaRPr kumimoji="1" lang="ja-JP" altLang="en-US" sz="2800" dirty="0">
+            <a:endParaRPr lang="ja-JP" altLang="en-US" sz="2801" dirty="0">
               <a:solidFill>
                 <a:schemeClr val="bg1"/>
               </a:solidFill>
@@ -5666,8 +5608,8 @@
         </p:nvCxnSpPr>
         <p:spPr>
           <a:xfrm>
-            <a:off x="3429000" y="2950869"/>
-            <a:ext cx="419101" cy="0"/>
+            <a:off x="3464723" y="2977856"/>
+            <a:ext cx="419100" cy="0"/>
           </a:xfrm>
           <a:prstGeom prst="straightConnector1">
             <a:avLst/>
@@ -5709,7 +5651,7 @@
         </p:nvCxnSpPr>
         <p:spPr>
           <a:xfrm>
-            <a:off x="5981701" y="2950869"/>
+            <a:off x="6017424" y="2977856"/>
             <a:ext cx="419099" cy="0"/>
           </a:xfrm>
           <a:prstGeom prst="straightConnector1">
@@ -5743,28 +5685,29 @@
       </p:cxnSp>
       <p:sp>
         <p:nvSpPr>
-          <p:cNvPr id="90" name="角丸四角形 89"/>
+          <p:cNvPr id="34" name="正方形/長方形 33"/>
           <p:cNvSpPr/>
           <p:nvPr/>
         </p:nvSpPr>
         <p:spPr>
           <a:xfrm>
-            <a:off x="8127848" y="3651509"/>
-            <a:ext cx="539593" cy="334987"/>
-          </a:xfrm>
-          <a:prstGeom prst="roundRect">
-            <a:avLst/>
-          </a:prstGeom>
+            <a:off x="-1428249" y="496769"/>
+            <a:ext cx="1616367" cy="666750"/>
+          </a:xfrm>
+          <a:prstGeom prst="rect">
+            <a:avLst/>
+          </a:prstGeom>
+          <a:ln/>
         </p:spPr>
         <p:style>
           <a:lnRef idx="1">
-            <a:schemeClr val="accent4"/>
+            <a:schemeClr val="dk1"/>
           </a:lnRef>
           <a:fillRef idx="3">
-            <a:schemeClr val="accent4"/>
+            <a:schemeClr val="dk1"/>
           </a:fillRef>
           <a:effectRef idx="2">
-            <a:schemeClr val="accent4"/>
+            <a:schemeClr val="dk1"/>
           </a:effectRef>
           <a:fontRef idx="minor">
             <a:schemeClr val="lt1"/>
@@ -5776,28 +5719,42 @@
           <a:p>
             <a:pPr algn="ctr"/>
             <a:r>
-              <a:rPr lang="en-US" altLang="ja-JP" dirty="0" smtClean="0"/>
-              <a:t>JPA</a:t>
-            </a:r>
-            <a:endParaRPr kumimoji="1" lang="ja-JP" altLang="en-US" dirty="0"/>
-          </a:p>
-        </p:txBody>
-      </p:sp>
-      <p:sp>
-        <p:nvSpPr>
-          <p:cNvPr id="34" name="正方形/長方形 33"/>
+              <a:rPr lang="en-US" altLang="ja-JP" sz="1801" dirty="0"/>
+              <a:t>Web</a:t>
+            </a:r>
+            <a:r>
+              <a:rPr lang="ja-JP" altLang="en-US" sz="1801" dirty="0"/>
+              <a:t> </a:t>
+            </a:r>
+            <a:r>
+              <a:rPr lang="en-US" altLang="ja-JP" sz="1801" dirty="0"/>
+              <a:t>Browser</a:t>
+            </a:r>
+          </a:p>
+          <a:p>
+            <a:pPr algn="ctr"/>
+            <a:r>
+              <a:rPr lang="en-US" altLang="ja-JP" sz="1801" dirty="0"/>
+              <a:t>(Client)</a:t>
+            </a:r>
+            <a:endParaRPr lang="ja-JP" altLang="en-US" sz="1801" dirty="0"/>
+          </a:p>
+        </p:txBody>
+      </p:sp>
+      <p:sp>
+        <p:nvSpPr>
+          <p:cNvPr id="21" name="フローチャート : 磁気ディスク 20"/>
           <p:cNvSpPr/>
           <p:nvPr/>
         </p:nvSpPr>
         <p:spPr>
           <a:xfrm>
-            <a:off x="-1540169" y="469782"/>
-            <a:ext cx="1616367" cy="666750"/>
-          </a:xfrm>
-          <a:prstGeom prst="rect">
-            <a:avLst/>
-          </a:prstGeom>
-          <a:ln/>
+            <a:off x="9161832" y="485283"/>
+            <a:ext cx="1495425" cy="670037"/>
+          </a:xfrm>
+          <a:prstGeom prst="flowChartMagneticDisk">
+            <a:avLst/>
+          </a:prstGeom>
         </p:spPr>
         <p:style>
           <a:lnRef idx="1">
@@ -5819,72 +5776,10 @@
           <a:p>
             <a:pPr algn="ctr"/>
             <a:r>
-              <a:rPr lang="en-US" altLang="ja-JP" dirty="0" smtClean="0"/>
-              <a:t>Web</a:t>
-            </a:r>
-            <a:r>
-              <a:rPr lang="ja-JP" altLang="en-US" dirty="0"/>
-              <a:t> </a:t>
-            </a:r>
-            <a:r>
-              <a:rPr lang="en-US" altLang="ja-JP" dirty="0" smtClean="0"/>
-              <a:t>Browser</a:t>
-            </a:r>
-            <a:endParaRPr lang="en-US" altLang="ja-JP" dirty="0"/>
-          </a:p>
-          <a:p>
-            <a:pPr algn="ctr"/>
-            <a:r>
-              <a:rPr lang="en-US" altLang="ja-JP" dirty="0"/>
-              <a:t>(Client</a:t>
-            </a:r>
-            <a:r>
-              <a:rPr lang="en-US" altLang="ja-JP" dirty="0" smtClean="0"/>
-              <a:t>)</a:t>
-            </a:r>
-            <a:endParaRPr lang="ja-JP" altLang="en-US" dirty="0"/>
-          </a:p>
-        </p:txBody>
-      </p:sp>
-      <p:sp>
-        <p:nvSpPr>
-          <p:cNvPr id="21" name="フローチャート : 磁気ディスク 20"/>
-          <p:cNvSpPr/>
-          <p:nvPr/>
-        </p:nvSpPr>
-        <p:spPr>
-          <a:xfrm>
-            <a:off x="9126109" y="458293"/>
-            <a:ext cx="1495425" cy="670037"/>
-          </a:xfrm>
-          <a:prstGeom prst="flowChartMagneticDisk">
-            <a:avLst/>
-          </a:prstGeom>
-        </p:spPr>
-        <p:style>
-          <a:lnRef idx="1">
-            <a:schemeClr val="dk1"/>
-          </a:lnRef>
-          <a:fillRef idx="3">
-            <a:schemeClr val="dk1"/>
-          </a:fillRef>
-          <a:effectRef idx="2">
-            <a:schemeClr val="dk1"/>
-          </a:effectRef>
-          <a:fontRef idx="minor">
-            <a:schemeClr val="lt1"/>
-          </a:fontRef>
-        </p:style>
-        <p:txBody>
-          <a:bodyPr rtlCol="0" anchor="ctr"/>
-          <a:lstStyle/>
-          <a:p>
-            <a:pPr algn="ctr"/>
-            <a:r>
-              <a:rPr lang="en-US" altLang="ja-JP" dirty="0" smtClean="0"/>
+              <a:rPr lang="en-US" altLang="ja-JP" sz="1801" dirty="0"/>
               <a:t>RDBMS</a:t>
             </a:r>
-            <a:endParaRPr kumimoji="1" lang="ja-JP" altLang="en-US" dirty="0"/>
+            <a:endParaRPr lang="ja-JP" altLang="en-US" sz="1801" dirty="0"/>
           </a:p>
         </p:txBody>
       </p:sp>
@@ -5899,8 +5794,8 @@
         </p:nvCxnSpPr>
         <p:spPr>
           <a:xfrm rot="5400000" flipH="1" flipV="1">
-            <a:off x="7915478" y="583560"/>
-            <a:ext cx="1000879" cy="1420384"/>
+            <a:off x="7951201" y="610548"/>
+            <a:ext cx="1000879" cy="1420385"/>
           </a:xfrm>
           <a:prstGeom prst="bentConnector2">
             <a:avLst/>
@@ -5939,8 +5834,8 @@
         </p:nvSpPr>
         <p:spPr>
           <a:xfrm>
-            <a:off x="557165" y="4488546"/>
-            <a:ext cx="8453485" cy="1277254"/>
+            <a:off x="592887" y="4515535"/>
+            <a:ext cx="8453485" cy="1277253"/>
           </a:xfrm>
           <a:prstGeom prst="roundRect">
             <a:avLst/>
@@ -5975,7 +5870,7 @@
           <a:p>
             <a:pPr algn="ctr"/>
             <a:r>
-              <a:rPr lang="en-US" altLang="ja-JP" sz="2000" b="1" dirty="0" smtClean="0">
+              <a:rPr lang="en-US" altLang="ja-JP" sz="2000" b="1" dirty="0">
                 <a:solidFill>
                   <a:schemeClr val="tx1">
                     <a:lumMod val="65000"/>
@@ -5985,7 +5880,7 @@
               </a:rPr>
               <a:t>Useful OSS Libraries</a:t>
             </a:r>
-            <a:endParaRPr kumimoji="1" lang="ja-JP" altLang="en-US" sz="2000" b="1" dirty="0">
+            <a:endParaRPr lang="ja-JP" altLang="en-US" sz="2000" b="1" dirty="0">
               <a:solidFill>
                 <a:schemeClr val="tx1">
                   <a:lumMod val="65000"/>
@@ -6004,7 +5899,7 @@
         </p:nvSpPr>
         <p:spPr>
           <a:xfrm>
-            <a:off x="7576272" y="5019784"/>
+            <a:off x="7611995" y="5046775"/>
             <a:ext cx="1306351" cy="504733"/>
           </a:xfrm>
           <a:prstGeom prst="roundRect">
@@ -6045,7 +5940,7 @@
           <a:p>
             <a:pPr algn="ctr"/>
             <a:r>
-              <a:rPr kumimoji="1" lang="en-US" altLang="ja-JP" sz="1600" dirty="0" smtClean="0">
+              <a:rPr lang="en-US" altLang="ja-JP" sz="1600" dirty="0">
                 <a:solidFill>
                   <a:schemeClr val="tx1">
                     <a:lumMod val="75000"/>
@@ -6059,7 +5954,7 @@
           <a:p>
             <a:pPr algn="ctr"/>
             <a:r>
-              <a:rPr lang="en-US" altLang="ja-JP" sz="1600" dirty="0" smtClean="0">
+              <a:rPr lang="en-US" altLang="ja-JP" sz="1600" dirty="0">
                 <a:solidFill>
                   <a:schemeClr val="tx1">
                     <a:lumMod val="75000"/>
@@ -6069,14 +5964,6 @@
               </a:rPr>
               <a:t>Library</a:t>
             </a:r>
-            <a:endParaRPr kumimoji="1" lang="en-US" altLang="ja-JP" sz="1600" dirty="0" smtClean="0">
-              <a:solidFill>
-                <a:schemeClr val="tx1">
-                  <a:lumMod val="75000"/>
-                  <a:lumOff val="25000"/>
-                </a:schemeClr>
-              </a:solidFill>
-            </a:endParaRPr>
           </a:p>
         </p:txBody>
       </p:sp>
@@ -6088,7 +5975,7 @@
         </p:nvSpPr>
         <p:spPr>
           <a:xfrm>
-            <a:off x="742689" y="5019784"/>
+            <a:off x="778412" y="5046775"/>
             <a:ext cx="1198005" cy="504733"/>
           </a:xfrm>
           <a:prstGeom prst="roundRect">
@@ -6129,7 +6016,7 @@
           <a:p>
             <a:pPr algn="ctr"/>
             <a:r>
-              <a:rPr kumimoji="1" lang="en-US" altLang="ja-JP" sz="1600" dirty="0" smtClean="0">
+              <a:rPr lang="en-US" altLang="ja-JP" sz="1600" dirty="0">
                 <a:solidFill>
                   <a:schemeClr val="tx1">
                     <a:lumMod val="75000"/>
@@ -6150,7 +6037,7 @@
         </p:nvSpPr>
         <p:spPr>
           <a:xfrm>
-            <a:off x="2039682" y="5019784"/>
+            <a:off x="2075401" y="5046775"/>
             <a:ext cx="1177624" cy="504733"/>
           </a:xfrm>
           <a:prstGeom prst="roundRect">
@@ -6191,7 +6078,7 @@
           <a:p>
             <a:pPr algn="ctr"/>
             <a:r>
-              <a:rPr lang="en-US" altLang="ja-JP" sz="1600" dirty="0" smtClean="0">
+              <a:rPr lang="en-US" altLang="ja-JP" sz="1600" dirty="0">
                 <a:solidFill>
                   <a:schemeClr val="tx1">
                     <a:lumMod val="75000"/>
@@ -6201,14 +6088,6 @@
               </a:rPr>
               <a:t>Dozer</a:t>
             </a:r>
-            <a:endParaRPr kumimoji="1" lang="en-US" altLang="ja-JP" sz="1600" dirty="0" smtClean="0">
-              <a:solidFill>
-                <a:schemeClr val="tx1">
-                  <a:lumMod val="75000"/>
-                  <a:lumOff val="25000"/>
-                </a:schemeClr>
-              </a:solidFill>
-            </a:endParaRPr>
           </a:p>
         </p:txBody>
       </p:sp>
@@ -6220,7 +6099,7 @@
         </p:nvSpPr>
         <p:spPr>
           <a:xfrm>
-            <a:off x="3327400" y="5019784"/>
+            <a:off x="3363118" y="5046775"/>
             <a:ext cx="1177624" cy="504733"/>
           </a:xfrm>
           <a:prstGeom prst="roundRect">
@@ -6261,7 +6140,7 @@
           <a:p>
             <a:pPr algn="ctr"/>
             <a:r>
-              <a:rPr lang="en-US" altLang="ja-JP" sz="1600" dirty="0" smtClean="0">
+              <a:rPr lang="en-US" altLang="ja-JP" sz="1600" dirty="0">
                 <a:solidFill>
                   <a:schemeClr val="tx1">
                     <a:lumMod val="75000"/>
@@ -6271,14 +6150,6 @@
               </a:rPr>
               <a:t>Jackson</a:t>
             </a:r>
-            <a:endParaRPr kumimoji="1" lang="en-US" altLang="ja-JP" sz="1600" dirty="0" smtClean="0">
-              <a:solidFill>
-                <a:schemeClr val="tx1">
-                  <a:lumMod val="75000"/>
-                  <a:lumOff val="25000"/>
-                </a:schemeClr>
-              </a:solidFill>
-            </a:endParaRPr>
           </a:p>
         </p:txBody>
       </p:sp>
@@ -6290,7 +6161,7 @@
         </p:nvSpPr>
         <p:spPr>
           <a:xfrm>
-            <a:off x="6129886" y="4946868"/>
+            <a:off x="6165609" y="4973860"/>
             <a:ext cx="990139" cy="504733"/>
           </a:xfrm>
           <a:prstGeom prst="roundRect">
@@ -6339,29 +6210,7 @@
                   </a:schemeClr>
                 </a:solidFill>
               </a:rPr>
-              <a:t>m</a:t>
-            </a:r>
-            <a:r>
-              <a:rPr lang="en-US" altLang="ja-JP" sz="1600" dirty="0" smtClean="0">
-                <a:solidFill>
-                  <a:schemeClr val="tx1">
-                    <a:lumMod val="75000"/>
-                    <a:lumOff val="25000"/>
-                  </a:schemeClr>
-                </a:solidFill>
-              </a:rPr>
-              <a:t>ore </a:t>
-            </a:r>
-            <a:r>
-              <a:rPr kumimoji="1" lang="en-US" altLang="ja-JP" sz="1600" dirty="0" smtClean="0">
-                <a:solidFill>
-                  <a:schemeClr val="tx1">
-                    <a:lumMod val="75000"/>
-                    <a:lumOff val="25000"/>
-                  </a:schemeClr>
-                </a:solidFill>
-              </a:rPr>
-              <a:t>…</a:t>
+              <a:t>more …</a:t>
             </a:r>
           </a:p>
         </p:txBody>
@@ -6374,7 +6223,7 @@
         </p:nvSpPr>
         <p:spPr>
           <a:xfrm>
-            <a:off x="4648201" y="5019784"/>
+            <a:off x="4683921" y="5046775"/>
             <a:ext cx="1371600" cy="504733"/>
           </a:xfrm>
           <a:prstGeom prst="roundRect">
@@ -6415,7 +6264,7 @@
           <a:p>
             <a:pPr algn="ctr"/>
             <a:r>
-              <a:rPr lang="en-US" altLang="ja-JP" sz="1600" dirty="0" smtClean="0">
+              <a:rPr lang="en-US" altLang="ja-JP" sz="1600" dirty="0">
                 <a:solidFill>
                   <a:schemeClr val="tx1">
                     <a:lumMod val="75000"/>
@@ -6425,14 +6274,6 @@
               </a:rPr>
               <a:t>Spring Data Commons</a:t>
             </a:r>
-            <a:endParaRPr kumimoji="1" lang="en-US" altLang="ja-JP" sz="1600" dirty="0" smtClean="0">
-              <a:solidFill>
-                <a:schemeClr val="tx1">
-                  <a:lumMod val="75000"/>
-                  <a:lumOff val="25000"/>
-                </a:schemeClr>
-              </a:solidFill>
-            </a:endParaRPr>
           </a:p>
         </p:txBody>
       </p:sp>
@@ -6444,7 +6285,7 @@
         </p:nvSpPr>
         <p:spPr>
           <a:xfrm>
-            <a:off x="6256886" y="5023068"/>
+            <a:off x="6292609" y="5050059"/>
             <a:ext cx="990139" cy="504733"/>
           </a:xfrm>
           <a:prstGeom prst="roundRect">
@@ -6493,29 +6334,7 @@
                   </a:schemeClr>
                 </a:solidFill>
               </a:rPr>
-              <a:t>m</a:t>
-            </a:r>
-            <a:r>
-              <a:rPr lang="en-US" altLang="ja-JP" sz="1600" dirty="0" smtClean="0">
-                <a:solidFill>
-                  <a:schemeClr val="tx1">
-                    <a:lumMod val="75000"/>
-                    <a:lumOff val="25000"/>
-                  </a:schemeClr>
-                </a:solidFill>
-              </a:rPr>
-              <a:t>ore </a:t>
-            </a:r>
-            <a:r>
-              <a:rPr kumimoji="1" lang="en-US" altLang="ja-JP" sz="1600" dirty="0" smtClean="0">
-                <a:solidFill>
-                  <a:schemeClr val="tx1">
-                    <a:lumMod val="75000"/>
-                    <a:lumOff val="25000"/>
-                  </a:schemeClr>
-                </a:solidFill>
-              </a:rPr>
-              <a:t>…</a:t>
+              <a:t>more …</a:t>
             </a:r>
           </a:p>
         </p:txBody>
@@ -6528,7 +6347,7 @@
         </p:nvSpPr>
         <p:spPr>
           <a:xfrm>
-            <a:off x="6409286" y="5111968"/>
+            <a:off x="6445009" y="5138959"/>
             <a:ext cx="990139" cy="504733"/>
           </a:xfrm>
           <a:prstGeom prst="roundRect">
@@ -6577,29 +6396,7 @@
                   </a:schemeClr>
                 </a:solidFill>
               </a:rPr>
-              <a:t>m</a:t>
-            </a:r>
-            <a:r>
-              <a:rPr lang="en-US" altLang="ja-JP" sz="1600" dirty="0" smtClean="0">
-                <a:solidFill>
-                  <a:schemeClr val="tx1">
-                    <a:lumMod val="75000"/>
-                    <a:lumOff val="25000"/>
-                  </a:schemeClr>
-                </a:solidFill>
-              </a:rPr>
-              <a:t>ore </a:t>
-            </a:r>
-            <a:r>
-              <a:rPr kumimoji="1" lang="en-US" altLang="ja-JP" sz="1600" dirty="0" smtClean="0">
-                <a:solidFill>
-                  <a:schemeClr val="tx1">
-                    <a:lumMod val="75000"/>
-                    <a:lumOff val="25000"/>
-                  </a:schemeClr>
-                </a:solidFill>
-              </a:rPr>
-              <a:t>…</a:t>
+              <a:t>more …</a:t>
             </a:r>
           </a:p>
         </p:txBody>
@@ -6612,7 +6409,7 @@
         </p:nvCxnSpPr>
         <p:spPr>
           <a:xfrm>
-            <a:off x="1978795" y="4095769"/>
+            <a:off x="2014514" y="4122760"/>
             <a:ext cx="0" cy="392777"/>
           </a:xfrm>
           <a:prstGeom prst="straightConnector1">
@@ -6652,7 +6449,7 @@
         </p:nvCxnSpPr>
         <p:spPr>
           <a:xfrm>
-            <a:off x="4912495" y="4107546"/>
+            <a:off x="4948214" y="4134536"/>
             <a:ext cx="0" cy="392777"/>
           </a:xfrm>
           <a:prstGeom prst="straightConnector1">
@@ -6692,7 +6489,7 @@
         </p:nvCxnSpPr>
         <p:spPr>
           <a:xfrm>
-            <a:off x="7705725" y="4107546"/>
+            <a:off x="7741443" y="4134536"/>
             <a:ext cx="0" cy="392777"/>
           </a:xfrm>
           <a:prstGeom prst="straightConnector1">
@@ -6769,7 +6566,7 @@
         </p:nvSpPr>
         <p:spPr>
           <a:xfrm>
-            <a:off x="5379438" y="4415769"/>
+            <a:off x="5415158" y="4442757"/>
             <a:ext cx="3387338" cy="368242"/>
           </a:xfrm>
           <a:prstGeom prst="roundRect">
@@ -6810,7 +6607,7 @@
           <a:p>
             <a:pPr algn="ctr"/>
             <a:r>
-              <a:rPr lang="en-US" altLang="ja-JP" sz="1600" dirty="0" smtClean="0">
+              <a:rPr lang="en-US" altLang="ja-JP" sz="1600" dirty="0">
                 <a:solidFill>
                   <a:schemeClr val="tx1">
                     <a:lumMod val="75000"/>
@@ -6820,14 +6617,6 @@
               </a:rPr>
               <a:t>security-core-dependencies</a:t>
             </a:r>
-            <a:endParaRPr kumimoji="1" lang="en-US" altLang="ja-JP" sz="1600" dirty="0" smtClean="0">
-              <a:solidFill>
-                <a:schemeClr val="tx1">
-                  <a:lumMod val="75000"/>
-                  <a:lumOff val="25000"/>
-                </a:schemeClr>
-              </a:solidFill>
-            </a:endParaRPr>
           </a:p>
         </p:txBody>
       </p:sp>
@@ -6839,8 +6628,8 @@
         </p:nvSpPr>
         <p:spPr>
           <a:xfrm>
-            <a:off x="391508" y="3741255"/>
-            <a:ext cx="3363924" cy="368242"/>
+            <a:off x="427229" y="3768243"/>
+            <a:ext cx="3363923" cy="368242"/>
           </a:xfrm>
           <a:prstGeom prst="roundRect">
             <a:avLst/>
@@ -6888,27 +6677,8 @@
                   </a:schemeClr>
                 </a:solidFill>
               </a:rPr>
-              <a:t>s</a:t>
-            </a:r>
-            <a:r>
-              <a:rPr lang="en-US" altLang="ja-JP" sz="1600" dirty="0" smtClean="0">
-                <a:solidFill>
-                  <a:schemeClr val="tx1">
-                    <a:lumMod val="75000"/>
-                    <a:lumOff val="25000"/>
-                  </a:schemeClr>
-                </a:solidFill>
-              </a:rPr>
-              <a:t>ecurity-web</a:t>
-            </a:r>
-            <a:endParaRPr kumimoji="1" lang="en-US" altLang="ja-JP" sz="1600" dirty="0" smtClean="0">
-              <a:solidFill>
-                <a:schemeClr val="tx1">
-                  <a:lumMod val="75000"/>
-                  <a:lumOff val="25000"/>
-                </a:schemeClr>
-              </a:solidFill>
-            </a:endParaRPr>
+              <a:t>security-web</a:t>
+            </a:r>
           </a:p>
         </p:txBody>
       </p:sp>
@@ -6920,7 +6690,7 @@
         </p:nvSpPr>
         <p:spPr>
           <a:xfrm>
-            <a:off x="5412773" y="6355224"/>
+            <a:off x="5448495" y="6382212"/>
             <a:ext cx="3363925" cy="368242"/>
           </a:xfrm>
           <a:prstGeom prst="roundRect">
@@ -6961,17 +6731,6 @@
           <a:p>
             <a:pPr algn="ctr"/>
             <a:r>
-              <a:rPr lang="en-US" altLang="ja-JP" sz="1600" dirty="0" smtClean="0">
-                <a:solidFill>
-                  <a:schemeClr val="tx1">
-                    <a:lumMod val="75000"/>
-                    <a:lumOff val="25000"/>
-                  </a:schemeClr>
-                </a:solidFill>
-              </a:rPr>
-              <a:t>recommended</a:t>
-            </a:r>
-            <a:r>
               <a:rPr lang="en-US" altLang="ja-JP" sz="1600" dirty="0">
                 <a:solidFill>
                   <a:schemeClr val="tx1">
@@ -6980,16 +6739,8 @@
                   </a:schemeClr>
                 </a:solidFill>
               </a:rPr>
-              <a:t>-dependencies</a:t>
-            </a:r>
-            <a:endParaRPr kumimoji="1" lang="en-US" altLang="ja-JP" sz="1600" dirty="0" smtClean="0">
-              <a:solidFill>
-                <a:schemeClr val="tx1">
-                  <a:lumMod val="75000"/>
-                  <a:lumOff val="25000"/>
-                </a:schemeClr>
-              </a:solidFill>
-            </a:endParaRPr>
+              <a:t>recommended-dependencies</a:t>
+            </a:r>
           </a:p>
         </p:txBody>
       </p:sp>
@@ -7001,7 +6752,7 @@
         </p:nvSpPr>
         <p:spPr>
           <a:xfrm>
-            <a:off x="5422944" y="7001706"/>
+            <a:off x="5458663" y="7055681"/>
             <a:ext cx="3353754" cy="368242"/>
           </a:xfrm>
           <a:prstGeom prst="roundRect">
@@ -7042,7 +6793,7 @@
           <a:p>
             <a:pPr algn="ctr"/>
             <a:r>
-              <a:rPr lang="en-US" altLang="ja-JP" sz="1600" dirty="0" smtClean="0">
+              <a:rPr lang="en-US" altLang="ja-JP" sz="1600" dirty="0">
                 <a:solidFill>
                   <a:schemeClr val="tx1">
                     <a:lumMod val="75000"/>
@@ -7052,14 +6803,6 @@
               </a:rPr>
               <a:t>recommended-web-dependencies</a:t>
             </a:r>
-            <a:endParaRPr kumimoji="1" lang="en-US" altLang="ja-JP" sz="1600" dirty="0" smtClean="0">
-              <a:solidFill>
-                <a:schemeClr val="tx1">
-                  <a:lumMod val="75000"/>
-                  <a:lumOff val="25000"/>
-                </a:schemeClr>
-              </a:solidFill>
-            </a:endParaRPr>
           </a:p>
         </p:txBody>
       </p:sp>
@@ -7071,7 +6814,7 @@
         </p:nvSpPr>
         <p:spPr>
           <a:xfrm>
-            <a:off x="5389360" y="5062254"/>
+            <a:off x="5425079" y="5089241"/>
             <a:ext cx="3387338" cy="368242"/>
           </a:xfrm>
           <a:prstGeom prst="roundRect">
@@ -7112,7 +6855,7 @@
           <a:p>
             <a:pPr algn="ctr"/>
             <a:r>
-              <a:rPr lang="en-US" altLang="ja-JP" sz="1600" dirty="0" smtClean="0">
+              <a:rPr lang="en-US" altLang="ja-JP" sz="1600" dirty="0">
                 <a:solidFill>
                   <a:schemeClr val="tx1">
                     <a:lumMod val="75000"/>
@@ -7122,14 +6865,6 @@
               </a:rPr>
               <a:t>Mybatis3-dependencies</a:t>
             </a:r>
-            <a:endParaRPr kumimoji="1" lang="en-US" altLang="ja-JP" sz="1600" dirty="0" smtClean="0">
-              <a:solidFill>
-                <a:schemeClr val="tx1">
-                  <a:lumMod val="75000"/>
-                  <a:lumOff val="25000"/>
-                </a:schemeClr>
-              </a:solidFill>
-            </a:endParaRPr>
           </a:p>
         </p:txBody>
       </p:sp>
@@ -7141,7 +6876,7 @@
         </p:nvSpPr>
         <p:spPr>
           <a:xfrm>
-            <a:off x="5402851" y="5708739"/>
+            <a:off x="5438571" y="5735726"/>
             <a:ext cx="3387338" cy="368242"/>
           </a:xfrm>
           <a:prstGeom prst="roundRect">
@@ -7182,7 +6917,7 @@
           <a:p>
             <a:pPr algn="ctr"/>
             <a:r>
-              <a:rPr kumimoji="1" lang="en-US" altLang="ja-JP" sz="1600" dirty="0" err="1" smtClean="0">
+              <a:rPr lang="en-US" altLang="ja-JP" sz="1600" dirty="0" err="1">
                 <a:solidFill>
                   <a:schemeClr val="tx1">
                     <a:lumMod val="75000"/>
@@ -7193,7 +6928,7 @@
               <a:t>Jpa</a:t>
             </a:r>
             <a:r>
-              <a:rPr kumimoji="1" lang="en-US" altLang="ja-JP" sz="1600" dirty="0" smtClean="0">
+              <a:rPr lang="en-US" altLang="ja-JP" sz="1600" dirty="0">
                 <a:solidFill>
                   <a:schemeClr val="tx1">
                     <a:lumMod val="75000"/>
@@ -7214,7 +6949,7 @@
         </p:nvSpPr>
         <p:spPr>
           <a:xfrm>
-            <a:off x="378016" y="1155256"/>
+            <a:off x="413736" y="1182243"/>
             <a:ext cx="3387338" cy="368242"/>
           </a:xfrm>
           <a:prstGeom prst="roundRect">
@@ -7255,7 +6990,7 @@
           <a:p>
             <a:pPr algn="ctr"/>
             <a:r>
-              <a:rPr lang="en-US" altLang="ja-JP" sz="1600" dirty="0" smtClean="0">
+              <a:rPr lang="en-US" altLang="ja-JP" sz="1600" dirty="0">
                 <a:solidFill>
                   <a:schemeClr val="tx1">
                     <a:lumMod val="75000"/>
@@ -7265,14 +7000,6 @@
               </a:rPr>
               <a:t>common</a:t>
             </a:r>
-            <a:endParaRPr kumimoji="1" lang="en-US" altLang="ja-JP" sz="1600" dirty="0" smtClean="0">
-              <a:solidFill>
-                <a:schemeClr val="tx1">
-                  <a:lumMod val="75000"/>
-                  <a:lumOff val="25000"/>
-                </a:schemeClr>
-              </a:solidFill>
-            </a:endParaRPr>
           </a:p>
         </p:txBody>
       </p:sp>
@@ -7284,7 +7011,7 @@
         </p:nvSpPr>
         <p:spPr>
           <a:xfrm>
-            <a:off x="387939" y="2448285"/>
+            <a:off x="423662" y="2475272"/>
             <a:ext cx="3377415" cy="368242"/>
           </a:xfrm>
           <a:prstGeom prst="roundRect">
@@ -7325,7 +7052,7 @@
           <a:p>
             <a:pPr algn="ctr"/>
             <a:r>
-              <a:rPr kumimoji="1" lang="en-US" altLang="ja-JP" sz="1600" dirty="0" smtClean="0">
+              <a:rPr lang="en-US" altLang="ja-JP" sz="1600" dirty="0">
                 <a:solidFill>
                   <a:schemeClr val="tx1">
                     <a:lumMod val="75000"/>
@@ -7346,7 +7073,7 @@
         </p:nvSpPr>
         <p:spPr>
           <a:xfrm>
-            <a:off x="378017" y="1802799"/>
+            <a:off x="413737" y="1829787"/>
             <a:ext cx="3387338" cy="368242"/>
           </a:xfrm>
           <a:prstGeom prst="roundRect">
@@ -7387,7 +7114,7 @@
           <a:p>
             <a:pPr algn="ctr"/>
             <a:r>
-              <a:rPr kumimoji="1" lang="en-US" altLang="ja-JP" sz="1600" dirty="0" err="1" smtClean="0">
+              <a:rPr lang="en-US" altLang="ja-JP" sz="1600" dirty="0" err="1">
                 <a:solidFill>
                   <a:schemeClr val="tx1">
                     <a:lumMod val="75000"/>
@@ -7397,7 +7124,7 @@
               </a:rPr>
               <a:t>jodatime</a:t>
             </a:r>
-            <a:endParaRPr kumimoji="1" lang="en-US" altLang="ja-JP" sz="1600" dirty="0" smtClean="0">
+            <a:endParaRPr lang="en-US" altLang="ja-JP" sz="1600" dirty="0">
               <a:solidFill>
                 <a:schemeClr val="tx1">
                   <a:lumMod val="75000"/>
@@ -7419,8 +7146,8 @@
         </p:nvCxnSpPr>
         <p:spPr>
           <a:xfrm flipV="1">
-            <a:off x="2076647" y="2816527"/>
-            <a:ext cx="0" cy="278243"/>
+            <a:off x="2112366" y="2843516"/>
+            <a:ext cx="0" cy="278244"/>
           </a:xfrm>
           <a:prstGeom prst="straightConnector1">
             <a:avLst/>
@@ -7463,7 +7190,7 @@
         </p:nvCxnSpPr>
         <p:spPr>
           <a:xfrm flipH="1" flipV="1">
-            <a:off x="2071685" y="1523498"/>
+            <a:off x="2107408" y="1550488"/>
             <a:ext cx="1" cy="279301"/>
           </a:xfrm>
           <a:prstGeom prst="straightConnector1">
@@ -7504,8 +7231,8 @@
         </p:nvSpPr>
         <p:spPr>
           <a:xfrm>
-            <a:off x="2170906" y="1505662"/>
-            <a:ext cx="810851" cy="307777"/>
+            <a:off x="2206628" y="1532653"/>
+            <a:ext cx="813043" cy="307777"/>
           </a:xfrm>
           <a:prstGeom prst="rect">
             <a:avLst/>
@@ -7519,7 +7246,7 @@
           <a:lstStyle/>
           <a:p>
             <a:r>
-              <a:rPr kumimoji="1" lang="en-US" altLang="ja-JP" sz="1400" dirty="0" smtClean="0">
+              <a:rPr lang="en-US" altLang="ja-JP" sz="1400" dirty="0">
                 <a:solidFill>
                   <a:schemeClr val="tx1">
                     <a:lumMod val="50000"/>
@@ -7529,7 +7256,7 @@
               </a:rPr>
               <a:t>depends</a:t>
             </a:r>
-            <a:endParaRPr kumimoji="1" lang="ja-JP" altLang="en-US" sz="1400" dirty="0">
+            <a:endParaRPr lang="ja-JP" altLang="en-US" sz="1400" dirty="0">
               <a:solidFill>
                 <a:schemeClr val="tx1">
                   <a:lumMod val="50000"/>
@@ -7548,8 +7275,8 @@
         </p:nvSpPr>
         <p:spPr>
           <a:xfrm>
-            <a:off x="2170906" y="2799108"/>
-            <a:ext cx="810851" cy="307777"/>
+            <a:off x="2206628" y="2826099"/>
+            <a:ext cx="813043" cy="307777"/>
           </a:xfrm>
           <a:prstGeom prst="rect">
             <a:avLst/>
@@ -7563,7 +7290,7 @@
           <a:lstStyle/>
           <a:p>
             <a:r>
-              <a:rPr kumimoji="1" lang="en-US" altLang="ja-JP" sz="1400" dirty="0" smtClean="0">
+              <a:rPr lang="en-US" altLang="ja-JP" sz="1400" dirty="0">
                 <a:solidFill>
                   <a:schemeClr val="tx1">
                     <a:lumMod val="50000"/>
@@ -7573,7 +7300,7 @@
               </a:rPr>
               <a:t>depends</a:t>
             </a:r>
-            <a:endParaRPr kumimoji="1" lang="ja-JP" altLang="en-US" sz="1400" dirty="0">
+            <a:endParaRPr lang="ja-JP" altLang="en-US" sz="1400" dirty="0">
               <a:solidFill>
                 <a:schemeClr val="tx1">
                   <a:lumMod val="50000"/>
@@ -7592,8 +7319,8 @@
         </p:nvSpPr>
         <p:spPr>
           <a:xfrm>
-            <a:off x="99969" y="3449965"/>
-            <a:ext cx="810851" cy="307777"/>
+            <a:off x="135692" y="3476956"/>
+            <a:ext cx="813043" cy="307777"/>
           </a:xfrm>
           <a:prstGeom prst="rect">
             <a:avLst/>
@@ -7607,7 +7334,7 @@
           <a:lstStyle/>
           <a:p>
             <a:r>
-              <a:rPr kumimoji="1" lang="en-US" altLang="ja-JP" sz="1400" dirty="0" smtClean="0">
+              <a:rPr lang="en-US" altLang="ja-JP" sz="1400" dirty="0">
                 <a:solidFill>
                   <a:schemeClr val="tx1">
                     <a:lumMod val="50000"/>
@@ -7617,7 +7344,7 @@
               </a:rPr>
               <a:t>depends</a:t>
             </a:r>
-            <a:endParaRPr kumimoji="1" lang="ja-JP" altLang="en-US" sz="1400" dirty="0">
+            <a:endParaRPr lang="ja-JP" altLang="en-US" sz="1400" dirty="0">
               <a:solidFill>
                 <a:schemeClr val="tx1">
                   <a:lumMod val="50000"/>
@@ -7636,7 +7363,7 @@
         </p:nvSpPr>
         <p:spPr>
           <a:xfrm>
-            <a:off x="368094" y="5080969"/>
+            <a:off x="403813" y="5107956"/>
             <a:ext cx="3387338" cy="368242"/>
           </a:xfrm>
           <a:prstGeom prst="roundRect">
@@ -7677,7 +7404,7 @@
           <a:p>
             <a:pPr algn="ctr"/>
             <a:r>
-              <a:rPr lang="en-US" altLang="ja-JP" sz="1600" dirty="0" err="1" smtClean="0">
+              <a:rPr lang="en-US" altLang="ja-JP" sz="1600" dirty="0" err="1">
                 <a:solidFill>
                   <a:schemeClr val="tx1">
                     <a:lumMod val="75000"/>
@@ -7687,7 +7414,7 @@
               </a:rPr>
               <a:t>codepoints</a:t>
             </a:r>
-            <a:endParaRPr kumimoji="1" lang="en-US" altLang="ja-JP" sz="1600" dirty="0" smtClean="0">
+            <a:endParaRPr lang="en-US" altLang="ja-JP" sz="1600" dirty="0">
               <a:solidFill>
                 <a:schemeClr val="tx1">
                   <a:lumMod val="75000"/>
@@ -7706,7 +7433,7 @@
         </p:nvSpPr>
         <p:spPr>
           <a:xfrm>
-            <a:off x="368094" y="4434484"/>
+            <a:off x="403813" y="4461472"/>
             <a:ext cx="3387338" cy="368242"/>
           </a:xfrm>
           <a:prstGeom prst="roundRect">
@@ -7747,7 +7474,7 @@
           <a:p>
             <a:pPr algn="ctr"/>
             <a:r>
-              <a:rPr kumimoji="1" lang="en-US" altLang="ja-JP" sz="1600" dirty="0" smtClean="0">
+              <a:rPr lang="en-US" altLang="ja-JP" sz="1600" dirty="0">
                 <a:solidFill>
                   <a:schemeClr val="tx1">
                     <a:lumMod val="75000"/>
@@ -7768,7 +7495,7 @@
         </p:nvSpPr>
         <p:spPr>
           <a:xfrm>
-            <a:off x="368094" y="5727454"/>
+            <a:off x="403813" y="5754442"/>
             <a:ext cx="3387338" cy="368242"/>
           </a:xfrm>
           <a:prstGeom prst="roundRect">
@@ -7809,7 +7536,7 @@
           <a:p>
             <a:pPr algn="ctr"/>
             <a:r>
-              <a:rPr lang="en-US" altLang="ja-JP" sz="1600" dirty="0" smtClean="0">
+              <a:rPr lang="en-US" altLang="ja-JP" sz="1600" dirty="0">
                 <a:solidFill>
                   <a:schemeClr val="tx1">
                     <a:lumMod val="75000"/>
@@ -7819,14 +7546,6 @@
               </a:rPr>
               <a:t>validator</a:t>
             </a:r>
-            <a:endParaRPr kumimoji="1" lang="en-US" altLang="ja-JP" sz="1600" dirty="0" smtClean="0">
-              <a:solidFill>
-                <a:schemeClr val="tx1">
-                  <a:lumMod val="75000"/>
-                  <a:lumOff val="25000"/>
-                </a:schemeClr>
-              </a:solidFill>
-            </a:endParaRPr>
           </a:p>
         </p:txBody>
       </p:sp>
@@ -7838,7 +7557,7 @@
         </p:nvSpPr>
         <p:spPr>
           <a:xfrm>
-            <a:off x="387939" y="3094770"/>
+            <a:off x="423662" y="3121757"/>
             <a:ext cx="3377415" cy="368242"/>
           </a:xfrm>
           <a:prstGeom prst="roundRect">
@@ -7879,7 +7598,7 @@
           <a:p>
             <a:pPr algn="ctr"/>
             <a:r>
-              <a:rPr kumimoji="1" lang="en-US" altLang="ja-JP" sz="1600" dirty="0" smtClean="0">
+              <a:rPr lang="en-US" altLang="ja-JP" sz="1600" dirty="0">
                 <a:solidFill>
                   <a:schemeClr val="tx1">
                     <a:lumMod val="75000"/>
@@ -7887,21 +7606,10 @@
                   </a:schemeClr>
                 </a:solidFill>
               </a:rPr>
-              <a:t>web</a:t>
-            </a:r>
-            <a:r>
-              <a:rPr lang="en-US" altLang="ja-JP" sz="1600" dirty="0" smtClean="0">
-                <a:solidFill>
-                  <a:schemeClr val="tx1">
-                    <a:lumMod val="75000"/>
-                    <a:lumOff val="25000"/>
-                  </a:schemeClr>
-                </a:solidFill>
-              </a:rPr>
-              <a:t>-</a:t>
-            </a:r>
-            <a:r>
-              <a:rPr lang="en-US" altLang="ja-JP" sz="1600" dirty="0" err="1" smtClean="0">
+              <a:t>web-</a:t>
+            </a:r>
+            <a:r>
+              <a:rPr lang="en-US" altLang="ja-JP" sz="1600" dirty="0" err="1">
                 <a:solidFill>
                   <a:schemeClr val="tx1">
                     <a:lumMod val="75000"/>
@@ -7911,7 +7619,7 @@
               </a:rPr>
               <a:t>jsp</a:t>
             </a:r>
-            <a:endParaRPr kumimoji="1" lang="en-US" altLang="ja-JP" sz="1600" dirty="0" smtClean="0">
+            <a:endParaRPr lang="en-US" altLang="ja-JP" sz="1600" dirty="0">
               <a:solidFill>
                 <a:schemeClr val="tx1">
                   <a:lumMod val="75000"/>
@@ -7930,8 +7638,8 @@
         </p:nvSpPr>
         <p:spPr>
           <a:xfrm>
-            <a:off x="7158523" y="1145849"/>
-            <a:ext cx="810851" cy="307777"/>
+            <a:off x="7194245" y="1172841"/>
+            <a:ext cx="813043" cy="307777"/>
           </a:xfrm>
           <a:prstGeom prst="rect">
             <a:avLst/>
@@ -7945,7 +7653,7 @@
           <a:lstStyle/>
           <a:p>
             <a:r>
-              <a:rPr kumimoji="1" lang="en-US" altLang="ja-JP" sz="1400" dirty="0" smtClean="0">
+              <a:rPr lang="en-US" altLang="ja-JP" sz="1400" dirty="0">
                 <a:solidFill>
                   <a:schemeClr val="tx1">
                     <a:lumMod val="50000"/>
@@ -7955,7 +7663,7 @@
               </a:rPr>
               <a:t>depends</a:t>
             </a:r>
-            <a:endParaRPr kumimoji="1" lang="ja-JP" altLang="en-US" sz="1400" dirty="0">
+            <a:endParaRPr lang="ja-JP" altLang="en-US" sz="1400" dirty="0">
               <a:solidFill>
                 <a:schemeClr val="tx1">
                   <a:lumMod val="50000"/>
@@ -7977,8 +7685,8 @@
         </p:nvCxnSpPr>
         <p:spPr>
           <a:xfrm rot="10800000">
-            <a:off x="387940" y="2632406"/>
-            <a:ext cx="3569" cy="1292970"/>
+            <a:off x="423663" y="2659395"/>
+            <a:ext cx="3569" cy="1292969"/>
           </a:xfrm>
           <a:prstGeom prst="bentConnector3">
             <a:avLst>
@@ -8020,7 +7728,7 @@
         </p:nvSpPr>
         <p:spPr>
           <a:xfrm>
-            <a:off x="962795" y="-783743"/>
+            <a:off x="998514" y="-783743"/>
             <a:ext cx="2264228" cy="368242"/>
           </a:xfrm>
           <a:prstGeom prst="roundRect">
@@ -8061,7 +7769,7 @@
           <a:p>
             <a:pPr algn="ctr"/>
             <a:r>
-              <a:rPr kumimoji="1" lang="en-US" altLang="ja-JP" sz="1600" dirty="0" smtClean="0">
+              <a:rPr lang="en-US" altLang="ja-JP" sz="1600" dirty="0">
                 <a:solidFill>
                   <a:schemeClr val="tx1">
                     <a:lumMod val="75000"/>
@@ -8082,7 +7790,7 @@
         </p:nvSpPr>
         <p:spPr>
           <a:xfrm>
-            <a:off x="5965101" y="-783743"/>
+            <a:off x="6000823" y="-783743"/>
             <a:ext cx="2264229" cy="368242"/>
           </a:xfrm>
           <a:prstGeom prst="roundRect">
@@ -8123,7 +7831,7 @@
           <a:p>
             <a:pPr algn="ctr"/>
             <a:r>
-              <a:rPr kumimoji="1" lang="en-US" altLang="ja-JP" sz="1600" dirty="0" smtClean="0">
+              <a:rPr lang="en-US" altLang="ja-JP" sz="1600" dirty="0">
                 <a:solidFill>
                   <a:schemeClr val="tx1">
                     <a:lumMod val="75000"/>
@@ -8144,7 +7852,7 @@
         </p:nvSpPr>
         <p:spPr>
           <a:xfrm>
-            <a:off x="3932190" y="-2365948"/>
+            <a:off x="3967909" y="-2365948"/>
             <a:ext cx="1339676" cy="368242"/>
           </a:xfrm>
           <a:prstGeom prst="roundRect">
@@ -8185,7 +7893,7 @@
           <a:p>
             <a:pPr algn="ctr"/>
             <a:r>
-              <a:rPr kumimoji="1" lang="en-US" altLang="ja-JP" sz="1600" dirty="0" smtClean="0">
+              <a:rPr lang="en-US" altLang="ja-JP" sz="1600" dirty="0">
                 <a:solidFill>
                   <a:schemeClr val="tx1">
                     <a:lumMod val="75000"/>
@@ -8206,8 +7914,8 @@
         </p:nvSpPr>
         <p:spPr>
           <a:xfrm>
-            <a:off x="3871688" y="-1857768"/>
-            <a:ext cx="671378" cy="307777"/>
+            <a:off x="3907407" y="-1857768"/>
+            <a:ext cx="669542" cy="307777"/>
           </a:xfrm>
           <a:prstGeom prst="rect">
             <a:avLst/>
@@ -8221,7 +7929,7 @@
           <a:lstStyle/>
           <a:p>
             <a:r>
-              <a:rPr kumimoji="1" lang="en-US" altLang="ja-JP" sz="1400" dirty="0" smtClean="0">
+              <a:rPr lang="en-US" altLang="ja-JP" sz="1400" dirty="0">
                 <a:solidFill>
                   <a:schemeClr val="tx1">
                     <a:lumMod val="50000"/>
@@ -8231,7 +7939,7 @@
               </a:rPr>
               <a:t>parent</a:t>
             </a:r>
-            <a:endParaRPr kumimoji="1" lang="ja-JP" altLang="en-US" sz="1400" dirty="0">
+            <a:endParaRPr lang="ja-JP" altLang="en-US" sz="1400" dirty="0">
               <a:solidFill>
                 <a:schemeClr val="tx1">
                   <a:lumMod val="50000"/>
@@ -8250,7 +7958,7 @@
         </p:nvSpPr>
         <p:spPr>
           <a:xfrm>
-            <a:off x="1160869" y="42439"/>
+            <a:off x="1196591" y="69430"/>
             <a:ext cx="1205409" cy="307777"/>
           </a:xfrm>
           <a:prstGeom prst="rect">
@@ -8266,7 +7974,7 @@
           <a:p>
             <a:pPr algn="ctr"/>
             <a:r>
-              <a:rPr kumimoji="1" lang="en-US" altLang="ja-JP" sz="1400" dirty="0" smtClean="0">
+              <a:rPr lang="en-US" altLang="ja-JP" sz="1400" dirty="0">
                 <a:solidFill>
                   <a:schemeClr val="tx1">
                     <a:lumMod val="50000"/>
@@ -8276,7 +7984,7 @@
               </a:rPr>
               <a:t>parent</a:t>
             </a:r>
-            <a:endParaRPr kumimoji="1" lang="ja-JP" altLang="en-US" sz="1400" dirty="0">
+            <a:endParaRPr lang="ja-JP" altLang="en-US" sz="1400" dirty="0">
               <a:solidFill>
                 <a:schemeClr val="tx1">
                   <a:lumMod val="50000"/>
@@ -8295,7 +8003,7 @@
         </p:nvSpPr>
         <p:spPr>
           <a:xfrm>
-            <a:off x="5377732" y="1155315"/>
+            <a:off x="5413454" y="1182303"/>
             <a:ext cx="3363925" cy="368242"/>
           </a:xfrm>
           <a:prstGeom prst="roundRect">
@@ -8336,7 +8044,7 @@
           <a:p>
             <a:pPr algn="ctr"/>
             <a:r>
-              <a:rPr lang="en-US" altLang="ja-JP" sz="1600" dirty="0" smtClean="0">
+              <a:rPr lang="en-US" altLang="ja-JP" sz="1600" dirty="0">
                 <a:solidFill>
                   <a:schemeClr val="tx1">
                     <a:lumMod val="75000"/>
@@ -8346,14 +8054,6 @@
               </a:rPr>
               <a:t>common-dependencies</a:t>
             </a:r>
-            <a:endParaRPr kumimoji="1" lang="en-US" altLang="ja-JP" sz="1600" dirty="0" smtClean="0">
-              <a:solidFill>
-                <a:schemeClr val="tx1">
-                  <a:lumMod val="75000"/>
-                  <a:lumOff val="25000"/>
-                </a:schemeClr>
-              </a:solidFill>
-            </a:endParaRPr>
           </a:p>
         </p:txBody>
       </p:sp>
@@ -8365,8 +8065,8 @@
         </p:nvSpPr>
         <p:spPr>
           <a:xfrm>
-            <a:off x="5387903" y="2448341"/>
-            <a:ext cx="3353754" cy="368242"/>
+            <a:off x="5423623" y="2475329"/>
+            <a:ext cx="3353753" cy="368242"/>
           </a:xfrm>
           <a:prstGeom prst="roundRect">
             <a:avLst/>
@@ -8406,7 +8106,7 @@
           <a:p>
             <a:pPr algn="ctr"/>
             <a:r>
-              <a:rPr lang="en-US" altLang="ja-JP" sz="1600" dirty="0" smtClean="0">
+              <a:rPr lang="en-US" altLang="ja-JP" sz="1600" dirty="0">
                 <a:solidFill>
                   <a:schemeClr val="tx1">
                     <a:lumMod val="75000"/>
@@ -8416,14 +8116,6 @@
               </a:rPr>
               <a:t>web-dependencies</a:t>
             </a:r>
-            <a:endParaRPr kumimoji="1" lang="en-US" altLang="ja-JP" sz="1600" dirty="0" smtClean="0">
-              <a:solidFill>
-                <a:schemeClr val="tx1">
-                  <a:lumMod val="75000"/>
-                  <a:lumOff val="25000"/>
-                </a:schemeClr>
-              </a:solidFill>
-            </a:endParaRPr>
           </a:p>
         </p:txBody>
       </p:sp>
@@ -8435,7 +8127,7 @@
         </p:nvSpPr>
         <p:spPr>
           <a:xfrm>
-            <a:off x="5367810" y="1801800"/>
+            <a:off x="5403530" y="1828788"/>
             <a:ext cx="3387338" cy="368242"/>
           </a:xfrm>
           <a:prstGeom prst="roundRect">
@@ -8476,7 +8168,7 @@
           <a:p>
             <a:pPr algn="ctr"/>
             <a:r>
-              <a:rPr kumimoji="1" lang="en-US" altLang="ja-JP" sz="1600" dirty="0" err="1" smtClean="0">
+              <a:rPr lang="en-US" altLang="ja-JP" sz="1600" dirty="0" err="1">
                 <a:solidFill>
                   <a:schemeClr val="tx1">
                     <a:lumMod val="75000"/>
@@ -8487,7 +8179,7 @@
               <a:t>jodatime</a:t>
             </a:r>
             <a:r>
-              <a:rPr kumimoji="1" lang="en-US" altLang="ja-JP" sz="1600" dirty="0" smtClean="0">
+              <a:rPr lang="en-US" altLang="ja-JP" sz="1600" dirty="0">
                 <a:solidFill>
                   <a:schemeClr val="tx1">
                     <a:lumMod val="75000"/>
@@ -8508,8 +8200,8 @@
         </p:nvSpPr>
         <p:spPr>
           <a:xfrm>
-            <a:off x="5392138" y="3099206"/>
-            <a:ext cx="3353754" cy="368242"/>
+            <a:off x="5427858" y="3126193"/>
+            <a:ext cx="3353753" cy="368242"/>
           </a:xfrm>
           <a:prstGeom prst="roundRect">
             <a:avLst/>
@@ -8557,21 +8249,10 @@
                   </a:schemeClr>
                 </a:solidFill>
               </a:rPr>
-              <a:t>w</a:t>
-            </a:r>
-            <a:r>
-              <a:rPr lang="en-US" altLang="ja-JP" sz="1600" dirty="0" smtClean="0">
-                <a:solidFill>
-                  <a:schemeClr val="tx1">
-                    <a:lumMod val="75000"/>
-                    <a:lumOff val="25000"/>
-                  </a:schemeClr>
-                </a:solidFill>
-              </a:rPr>
-              <a:t>eb-</a:t>
-            </a:r>
-            <a:r>
-              <a:rPr lang="en-US" altLang="ja-JP" sz="1600" dirty="0" err="1" smtClean="0">
+              <a:t>web-</a:t>
+            </a:r>
+            <a:r>
+              <a:rPr lang="en-US" altLang="ja-JP" sz="1600" dirty="0" err="1">
                 <a:solidFill>
                   <a:schemeClr val="tx1">
                     <a:lumMod val="75000"/>
@@ -8582,7 +8263,7 @@
               <a:t>jsp</a:t>
             </a:r>
             <a:r>
-              <a:rPr lang="en-US" altLang="ja-JP" sz="1600" dirty="0" smtClean="0">
+              <a:rPr lang="en-US" altLang="ja-JP" sz="1600" dirty="0">
                 <a:solidFill>
                   <a:schemeClr val="tx1">
                     <a:lumMod val="75000"/>
@@ -8592,14 +8273,6 @@
               </a:rPr>
               <a:t>-dependencies</a:t>
             </a:r>
-            <a:endParaRPr kumimoji="1" lang="en-US" altLang="ja-JP" sz="1600" dirty="0" smtClean="0">
-              <a:solidFill>
-                <a:schemeClr val="tx1">
-                  <a:lumMod val="75000"/>
-                  <a:lumOff val="25000"/>
-                </a:schemeClr>
-              </a:solidFill>
-            </a:endParaRPr>
           </a:p>
         </p:txBody>
       </p:sp>
@@ -8611,8 +8284,8 @@
         </p:nvSpPr>
         <p:spPr>
           <a:xfrm>
-            <a:off x="5392138" y="3744386"/>
-            <a:ext cx="3353754" cy="368242"/>
+            <a:off x="5427858" y="3771374"/>
+            <a:ext cx="3353753" cy="368242"/>
           </a:xfrm>
           <a:prstGeom prst="roundRect">
             <a:avLst/>
@@ -8660,27 +8333,8 @@
                   </a:schemeClr>
                 </a:solidFill>
               </a:rPr>
-              <a:t>s</a:t>
-            </a:r>
-            <a:r>
-              <a:rPr lang="en-US" altLang="ja-JP" sz="1600" dirty="0" smtClean="0">
-                <a:solidFill>
-                  <a:schemeClr val="tx1">
-                    <a:lumMod val="75000"/>
-                    <a:lumOff val="25000"/>
-                  </a:schemeClr>
-                </a:solidFill>
-              </a:rPr>
-              <a:t>ecurity-web-dependencies</a:t>
-            </a:r>
-            <a:endParaRPr kumimoji="1" lang="en-US" altLang="ja-JP" sz="1600" dirty="0" smtClean="0">
-              <a:solidFill>
-                <a:schemeClr val="tx1">
-                  <a:lumMod val="75000"/>
-                  <a:lumOff val="25000"/>
-                </a:schemeClr>
-              </a:solidFill>
-            </a:endParaRPr>
+              <a:t>security-web-dependencies</a:t>
+            </a:r>
           </a:p>
         </p:txBody>
       </p:sp>
@@ -8692,7 +8346,7 @@
         </p:nvSpPr>
         <p:spPr>
           <a:xfrm>
-            <a:off x="6608" y="-1078512"/>
+            <a:off x="42330" y="-1078512"/>
             <a:ext cx="9189467" cy="998716"/>
           </a:xfrm>
           <a:prstGeom prst="roundRect">
@@ -8727,7 +8381,7 @@
           <a:lstStyle/>
           <a:p>
             <a:pPr algn="ctr"/>
-            <a:endParaRPr kumimoji="1" lang="ja-JP" altLang="en-US" sz="2000" b="1" dirty="0">
+            <a:endParaRPr lang="ja-JP" altLang="en-US" sz="2000" b="1" dirty="0">
               <a:solidFill>
                 <a:schemeClr val="tx1">
                   <a:lumMod val="65000"/>
@@ -8749,7 +8403,7 @@
         </p:nvCxnSpPr>
         <p:spPr>
           <a:xfrm flipH="1">
-            <a:off x="4601342" y="-1997706"/>
+            <a:off x="4637061" y="-1997706"/>
             <a:ext cx="686" cy="919194"/>
           </a:xfrm>
           <a:prstGeom prst="line">
@@ -8790,7 +8444,7 @@
         </p:nvSpPr>
         <p:spPr>
           <a:xfrm>
-            <a:off x="6609" y="880613"/>
+            <a:off x="42332" y="907601"/>
             <a:ext cx="4176141" cy="6840988"/>
           </a:xfrm>
           <a:prstGeom prst="roundRect">
@@ -8827,7 +8481,7 @@
           <a:lstStyle/>
           <a:p>
             <a:pPr algn="ctr"/>
-            <a:endParaRPr kumimoji="1" lang="ja-JP" altLang="en-US" sz="2000" b="1" dirty="0">
+            <a:endParaRPr lang="ja-JP" altLang="en-US" sz="2000" b="1" dirty="0">
               <a:solidFill>
                 <a:schemeClr val="tx1">
                   <a:lumMod val="65000"/>
@@ -8846,7 +8500,7 @@
         </p:nvSpPr>
         <p:spPr>
           <a:xfrm>
-            <a:off x="4995445" y="880613"/>
+            <a:off x="5031168" y="907601"/>
             <a:ext cx="4200631" cy="6840988"/>
           </a:xfrm>
           <a:prstGeom prst="roundRect">
@@ -8883,7 +8537,7 @@
           <a:lstStyle/>
           <a:p>
             <a:pPr algn="ctr"/>
-            <a:endParaRPr kumimoji="1" lang="ja-JP" altLang="en-US" sz="2000" b="1" dirty="0">
+            <a:endParaRPr lang="ja-JP" altLang="en-US" sz="2000" b="1" dirty="0">
               <a:solidFill>
                 <a:schemeClr val="tx1">
                   <a:lumMod val="65000"/>
@@ -8905,7 +8559,7 @@
         </p:nvCxnSpPr>
         <p:spPr>
           <a:xfrm flipH="1">
-            <a:off x="2094680" y="-415501"/>
+            <a:off x="2130403" y="-388514"/>
             <a:ext cx="229" cy="1296114"/>
           </a:xfrm>
           <a:prstGeom prst="line">
@@ -8949,7 +8603,7 @@
         </p:nvCxnSpPr>
         <p:spPr>
           <a:xfrm flipH="1">
-            <a:off x="7095761" y="-415501"/>
+            <a:off x="7131483" y="-388514"/>
             <a:ext cx="1455" cy="1296114"/>
           </a:xfrm>
           <a:prstGeom prst="line">
@@ -8990,7 +8644,7 @@
         </p:nvSpPr>
         <p:spPr>
           <a:xfrm>
-            <a:off x="6147599" y="42439"/>
+            <a:off x="6183321" y="69430"/>
             <a:ext cx="1205409" cy="307777"/>
           </a:xfrm>
           <a:prstGeom prst="rect">
@@ -9006,7 +8660,7 @@
           <a:p>
             <a:pPr algn="ctr"/>
             <a:r>
-              <a:rPr kumimoji="1" lang="en-US" altLang="ja-JP" sz="1400" dirty="0" smtClean="0">
+              <a:rPr lang="en-US" altLang="ja-JP" sz="1400" dirty="0">
                 <a:solidFill>
                   <a:schemeClr val="tx1">
                     <a:lumMod val="50000"/>
@@ -9016,7 +8670,7 @@
               </a:rPr>
               <a:t>parent</a:t>
             </a:r>
-            <a:endParaRPr kumimoji="1" lang="ja-JP" altLang="en-US" sz="1400" dirty="0">
+            <a:endParaRPr lang="ja-JP" altLang="en-US" sz="1400" dirty="0">
               <a:solidFill>
                 <a:schemeClr val="tx1">
                   <a:lumMod val="50000"/>
@@ -9038,7 +8692,7 @@
         </p:nvCxnSpPr>
         <p:spPr>
           <a:xfrm flipH="1">
-            <a:off x="3765355" y="1985921"/>
+            <a:off x="3801079" y="2012912"/>
             <a:ext cx="1602455" cy="999"/>
           </a:xfrm>
           <a:prstGeom prst="straightConnector1">
@@ -9082,8 +8736,8 @@
         </p:nvCxnSpPr>
         <p:spPr>
           <a:xfrm flipH="1" flipV="1">
-            <a:off x="3765354" y="1339377"/>
-            <a:ext cx="1612378" cy="59"/>
+            <a:off x="3801074" y="1366367"/>
+            <a:ext cx="1612378" cy="60"/>
           </a:xfrm>
           <a:prstGeom prst="straightConnector1">
             <a:avLst/>
@@ -9126,7 +8780,7 @@
         </p:nvCxnSpPr>
         <p:spPr>
           <a:xfrm flipH="1" flipV="1">
-            <a:off x="3765354" y="2632406"/>
+            <a:off x="3801077" y="2659393"/>
             <a:ext cx="1622549" cy="56"/>
           </a:xfrm>
           <a:prstGeom prst="straightConnector1">
@@ -9170,7 +8824,7 @@
         </p:nvCxnSpPr>
         <p:spPr>
           <a:xfrm flipH="1" flipV="1">
-            <a:off x="3765354" y="3278891"/>
+            <a:off x="3801073" y="3305879"/>
             <a:ext cx="1626784" cy="4436"/>
           </a:xfrm>
           <a:prstGeom prst="straightConnector1">
@@ -9214,8 +8868,8 @@
         </p:nvCxnSpPr>
         <p:spPr>
           <a:xfrm flipH="1" flipV="1">
-            <a:off x="3755432" y="3925376"/>
-            <a:ext cx="1636706" cy="3131"/>
+            <a:off x="3791151" y="3952365"/>
+            <a:ext cx="1636707" cy="3132"/>
           </a:xfrm>
           <a:prstGeom prst="straightConnector1">
             <a:avLst/>
@@ -9255,8 +8909,8 @@
         </p:nvSpPr>
         <p:spPr>
           <a:xfrm>
-            <a:off x="4182751" y="1942557"/>
-            <a:ext cx="810851" cy="307777"/>
+            <a:off x="4218474" y="1969548"/>
+            <a:ext cx="813043" cy="307777"/>
           </a:xfrm>
           <a:prstGeom prst="rect">
             <a:avLst/>
@@ -9270,7 +8924,7 @@
           <a:lstStyle/>
           <a:p>
             <a:r>
-              <a:rPr kumimoji="1" lang="en-US" altLang="ja-JP" sz="1400" dirty="0" smtClean="0">
+              <a:rPr lang="en-US" altLang="ja-JP" sz="1400" dirty="0">
                 <a:solidFill>
                   <a:schemeClr val="tx1">
                     <a:lumMod val="50000"/>
@@ -9280,7 +8934,7 @@
               </a:rPr>
               <a:t>depends</a:t>
             </a:r>
-            <a:endParaRPr kumimoji="1" lang="ja-JP" altLang="en-US" sz="1400" dirty="0">
+            <a:endParaRPr lang="ja-JP" altLang="en-US" sz="1400" dirty="0">
               <a:solidFill>
                 <a:schemeClr val="tx1">
                   <a:lumMod val="50000"/>
@@ -9299,8 +8953,8 @@
         </p:nvSpPr>
         <p:spPr>
           <a:xfrm>
-            <a:off x="4182751" y="1302188"/>
-            <a:ext cx="810851" cy="307777"/>
+            <a:off x="4218474" y="1329179"/>
+            <a:ext cx="813043" cy="307777"/>
           </a:xfrm>
           <a:prstGeom prst="rect">
             <a:avLst/>
@@ -9314,7 +8968,7 @@
           <a:lstStyle/>
           <a:p>
             <a:r>
-              <a:rPr kumimoji="1" lang="en-US" altLang="ja-JP" sz="1400" dirty="0" smtClean="0">
+              <a:rPr lang="en-US" altLang="ja-JP" sz="1400" dirty="0">
                 <a:solidFill>
                   <a:schemeClr val="tx1">
                     <a:lumMod val="50000"/>
@@ -9324,7 +8978,7 @@
               </a:rPr>
               <a:t>depends</a:t>
             </a:r>
-            <a:endParaRPr kumimoji="1" lang="ja-JP" altLang="en-US" sz="1400" dirty="0">
+            <a:endParaRPr lang="ja-JP" altLang="en-US" sz="1400" dirty="0">
               <a:solidFill>
                 <a:schemeClr val="tx1">
                   <a:lumMod val="50000"/>
@@ -9343,8 +8997,8 @@
         </p:nvSpPr>
         <p:spPr>
           <a:xfrm>
-            <a:off x="4182751" y="2588762"/>
-            <a:ext cx="810851" cy="307777"/>
+            <a:off x="4218474" y="2615753"/>
+            <a:ext cx="813043" cy="307777"/>
           </a:xfrm>
           <a:prstGeom prst="rect">
             <a:avLst/>
@@ -9358,7 +9012,7 @@
           <a:lstStyle/>
           <a:p>
             <a:r>
-              <a:rPr kumimoji="1" lang="en-US" altLang="ja-JP" sz="1400" dirty="0" smtClean="0">
+              <a:rPr lang="en-US" altLang="ja-JP" sz="1400" dirty="0">
                 <a:solidFill>
                   <a:schemeClr val="tx1">
                     <a:lumMod val="50000"/>
@@ -9368,7 +9022,7 @@
               </a:rPr>
               <a:t>depends</a:t>
             </a:r>
-            <a:endParaRPr kumimoji="1" lang="ja-JP" altLang="en-US" sz="1400" dirty="0">
+            <a:endParaRPr lang="ja-JP" altLang="en-US" sz="1400" dirty="0">
               <a:solidFill>
                 <a:schemeClr val="tx1">
                   <a:lumMod val="50000"/>
@@ -9387,8 +9041,8 @@
         </p:nvSpPr>
         <p:spPr>
           <a:xfrm>
-            <a:off x="4182751" y="3267619"/>
-            <a:ext cx="810851" cy="307777"/>
+            <a:off x="4218474" y="3294610"/>
+            <a:ext cx="813043" cy="307777"/>
           </a:xfrm>
           <a:prstGeom prst="rect">
             <a:avLst/>
@@ -9402,7 +9056,7 @@
           <a:lstStyle/>
           <a:p>
             <a:r>
-              <a:rPr kumimoji="1" lang="en-US" altLang="ja-JP" sz="1400" dirty="0" smtClean="0">
+              <a:rPr lang="en-US" altLang="ja-JP" sz="1400" dirty="0">
                 <a:solidFill>
                   <a:schemeClr val="tx1">
                     <a:lumMod val="50000"/>
@@ -9412,7 +9066,7 @@
               </a:rPr>
               <a:t>depends</a:t>
             </a:r>
-            <a:endParaRPr kumimoji="1" lang="ja-JP" altLang="en-US" sz="1400" dirty="0">
+            <a:endParaRPr lang="ja-JP" altLang="en-US" sz="1400" dirty="0">
               <a:solidFill>
                 <a:schemeClr val="tx1">
                   <a:lumMod val="50000"/>
@@ -9431,8 +9085,8 @@
         </p:nvSpPr>
         <p:spPr>
           <a:xfrm>
-            <a:off x="4182751" y="3942892"/>
-            <a:ext cx="810851" cy="307777"/>
+            <a:off x="4218474" y="3969883"/>
+            <a:ext cx="813043" cy="307777"/>
           </a:xfrm>
           <a:prstGeom prst="rect">
             <a:avLst/>
@@ -9446,7 +9100,7 @@
           <a:lstStyle/>
           <a:p>
             <a:r>
-              <a:rPr kumimoji="1" lang="en-US" altLang="ja-JP" sz="1400" dirty="0" smtClean="0">
+              <a:rPr lang="en-US" altLang="ja-JP" sz="1400" dirty="0">
                 <a:solidFill>
                   <a:schemeClr val="tx1">
                     <a:lumMod val="50000"/>
@@ -9456,7 +9110,7 @@
               </a:rPr>
               <a:t>depends</a:t>
             </a:r>
-            <a:endParaRPr kumimoji="1" lang="ja-JP" altLang="en-US" sz="1400" dirty="0">
+            <a:endParaRPr lang="ja-JP" altLang="en-US" sz="1400" dirty="0">
               <a:solidFill>
                 <a:schemeClr val="tx1">
                   <a:lumMod val="50000"/>
@@ -9478,8 +9132,8 @@
         </p:nvCxnSpPr>
         <p:spPr>
           <a:xfrm flipH="1" flipV="1">
-            <a:off x="7059695" y="1523557"/>
-            <a:ext cx="1784" cy="278243"/>
+            <a:off x="7095416" y="1550547"/>
+            <a:ext cx="1783" cy="278244"/>
           </a:xfrm>
           <a:prstGeom prst="straightConnector1">
             <a:avLst/>
@@ -9519,8 +9173,8 @@
         </p:nvSpPr>
         <p:spPr>
           <a:xfrm>
-            <a:off x="7158315" y="1505662"/>
-            <a:ext cx="810851" cy="307777"/>
+            <a:off x="7194038" y="1532653"/>
+            <a:ext cx="813043" cy="307777"/>
           </a:xfrm>
           <a:prstGeom prst="rect">
             <a:avLst/>
@@ -9534,7 +9188,7 @@
           <a:lstStyle/>
           <a:p>
             <a:r>
-              <a:rPr kumimoji="1" lang="en-US" altLang="ja-JP" sz="1400" dirty="0" smtClean="0">
+              <a:rPr lang="en-US" altLang="ja-JP" sz="1400" dirty="0">
                 <a:solidFill>
                   <a:schemeClr val="tx1">
                     <a:lumMod val="50000"/>
@@ -9544,7 +9198,7 @@
               </a:rPr>
               <a:t>depends</a:t>
             </a:r>
-            <a:endParaRPr kumimoji="1" lang="ja-JP" altLang="en-US" sz="1400" dirty="0">
+            <a:endParaRPr lang="ja-JP" altLang="en-US" sz="1400" dirty="0">
               <a:solidFill>
                 <a:schemeClr val="tx1">
                   <a:lumMod val="50000"/>
@@ -9563,7 +9217,7 @@
         </p:nvCxnSpPr>
         <p:spPr>
           <a:xfrm flipH="1" flipV="1">
-            <a:off x="8741657" y="1291811"/>
+            <a:off x="8777380" y="1318802"/>
             <a:ext cx="4235" cy="1943891"/>
           </a:xfrm>
           <a:prstGeom prst="bentConnector3">
@@ -9606,8 +9260,8 @@
         </p:nvSpPr>
         <p:spPr>
           <a:xfrm>
-            <a:off x="8180319" y="2838483"/>
-            <a:ext cx="810851" cy="307777"/>
+            <a:off x="8216041" y="2865474"/>
+            <a:ext cx="813043" cy="307777"/>
           </a:xfrm>
           <a:prstGeom prst="rect">
             <a:avLst/>
@@ -9621,7 +9275,7 @@
           <a:lstStyle/>
           <a:p>
             <a:r>
-              <a:rPr kumimoji="1" lang="en-US" altLang="ja-JP" sz="1400" dirty="0" smtClean="0">
+              <a:rPr lang="en-US" altLang="ja-JP" sz="1400" dirty="0">
                 <a:solidFill>
                   <a:schemeClr val="tx1">
                     <a:lumMod val="50000"/>
@@ -9631,7 +9285,7 @@
               </a:rPr>
               <a:t>depends</a:t>
             </a:r>
-            <a:endParaRPr kumimoji="1" lang="ja-JP" altLang="en-US" sz="1400" dirty="0">
+            <a:endParaRPr lang="ja-JP" altLang="en-US" sz="1400" dirty="0">
               <a:solidFill>
                 <a:schemeClr val="tx1">
                   <a:lumMod val="50000"/>
@@ -9650,8 +9304,8 @@
         </p:nvCxnSpPr>
         <p:spPr>
           <a:xfrm rot="10800000">
-            <a:off x="391510" y="1278263"/>
-            <a:ext cx="3569" cy="1292970"/>
+            <a:off x="427232" y="1305253"/>
+            <a:ext cx="3569" cy="1292969"/>
           </a:xfrm>
           <a:prstGeom prst="bentConnector3">
             <a:avLst>
@@ -9693,8 +9347,8 @@
         </p:nvSpPr>
         <p:spPr>
           <a:xfrm>
-            <a:off x="99969" y="2171041"/>
-            <a:ext cx="810851" cy="307777"/>
+            <a:off x="135692" y="2198033"/>
+            <a:ext cx="813043" cy="307777"/>
           </a:xfrm>
           <a:prstGeom prst="rect">
             <a:avLst/>
@@ -9708,7 +9362,7 @@
           <a:lstStyle/>
           <a:p>
             <a:r>
-              <a:rPr kumimoji="1" lang="en-US" altLang="ja-JP" sz="1400" dirty="0" smtClean="0">
+              <a:rPr lang="en-US" altLang="ja-JP" sz="1400" dirty="0">
                 <a:solidFill>
                   <a:schemeClr val="tx1">
                     <a:lumMod val="50000"/>
@@ -9718,7 +9372,7 @@
               </a:rPr>
               <a:t>depends</a:t>
             </a:r>
-            <a:endParaRPr kumimoji="1" lang="ja-JP" altLang="en-US" sz="1400" dirty="0">
+            <a:endParaRPr lang="ja-JP" altLang="en-US" sz="1400" dirty="0">
               <a:solidFill>
                 <a:schemeClr val="tx1">
                   <a:lumMod val="50000"/>
@@ -9737,7 +9391,7 @@
         </p:nvCxnSpPr>
         <p:spPr>
           <a:xfrm flipV="1">
-            <a:off x="8742564" y="1392533"/>
+            <a:off x="8778287" y="1419524"/>
             <a:ext cx="13491" cy="1292967"/>
           </a:xfrm>
           <a:prstGeom prst="bentConnector3">
@@ -9780,8 +9434,8 @@
         </p:nvSpPr>
         <p:spPr>
           <a:xfrm>
-            <a:off x="8180319" y="2183576"/>
-            <a:ext cx="810851" cy="307777"/>
+            <a:off x="8216041" y="2210567"/>
+            <a:ext cx="813043" cy="307777"/>
           </a:xfrm>
           <a:prstGeom prst="rect">
             <a:avLst/>
@@ -9795,7 +9449,7 @@
           <a:lstStyle/>
           <a:p>
             <a:r>
-              <a:rPr kumimoji="1" lang="en-US" altLang="ja-JP" sz="1400" dirty="0" smtClean="0">
+              <a:rPr lang="en-US" altLang="ja-JP" sz="1400" dirty="0">
                 <a:solidFill>
                   <a:schemeClr val="tx1">
                     <a:lumMod val="50000"/>
@@ -9805,7 +9459,7 @@
               </a:rPr>
               <a:t>depends</a:t>
             </a:r>
-            <a:endParaRPr kumimoji="1" lang="ja-JP" altLang="en-US" sz="1400" dirty="0">
+            <a:endParaRPr lang="ja-JP" altLang="en-US" sz="1400" dirty="0">
               <a:solidFill>
                 <a:schemeClr val="tx1">
                   <a:lumMod val="50000"/>
